--- a/PROJECT/Presentation/srs-presentation.pptx
+++ b/PROJECT/Presentation/srs-presentation.pptx
@@ -5,7 +5,7 @@
     <p:sldMasterId id="2147483660" r:id="rId1"/>
   </p:sldMasterIdLst>
   <p:notesMasterIdLst>
-    <p:notesMasterId r:id="rId27"/>
+    <p:notesMasterId r:id="rId28"/>
   </p:notesMasterIdLst>
   <p:sldIdLst>
     <p:sldId id="257" r:id="rId2"/>
@@ -33,6 +33,7 @@
     <p:sldId id="262" r:id="rId24"/>
     <p:sldId id="260" r:id="rId25"/>
     <p:sldId id="278" r:id="rId26"/>
+    <p:sldId id="284" r:id="rId27"/>
   </p:sldIdLst>
   <p:sldSz cx="9144000" cy="6858000" type="screen4x3"/>
   <p:notesSz cx="6858000" cy="9144000"/>
@@ -173,19 +174,692 @@
 <p1510:revInfo xmlns:a="http://schemas.openxmlformats.org/drawingml/2006/main" xmlns:r="http://schemas.openxmlformats.org/officeDocument/2006/relationships" xmlns:p1510="http://schemas.microsoft.com/office/powerpoint/2015/10/main">
   <p1510:revLst>
     <p1510:client id="{0C9481F3-B3A8-4DDD-AA1B-82E9B62BF1C4}" v="708" dt="2021-11-11T15:26:45.248"/>
-    <p1510:client id="{207D0B9F-80C7-0AE0-A777-08984F622E0C}" v="396" dt="2021-11-10T18:56:49.675"/>
     <p1510:client id="{365A8A62-3671-3F88-1A8A-02D6B5128CB4}" v="111" dt="2021-11-11T15:25:40.545"/>
     <p1510:client id="{43900656-72C3-49F3-8B09-F27B45177A16}" v="5" dt="2021-11-11T15:26:30.046"/>
-    <p1510:client id="{4ABA2C60-6D10-618C-0C1A-769459E837AF}" v="680" dt="2021-11-10T20:23:30.856"/>
-    <p1510:client id="{56C4E4AB-0323-5FBF-1312-38BEF63F0A1C}" v="22" dt="2021-11-10T19:42:46.782"/>
     <p1510:client id="{B9287407-D5CD-6F65-DA22-E619C76AF3DC}" v="23" dt="2021-11-11T15:18:06.289"/>
     <p1510:client id="{C65878E4-7F90-F0B9-68D8-6475F4DC1A4A}" v="32" dt="2021-11-11T15:56:47.164"/>
+    <p1510:client id="{F20BFE98-4877-4DD7-A0E1-091CA28F02D3}" v="8" dt="2021-11-12T09:43:11.508"/>
   </p1510:revLst>
 </p1510:revInfo>
 </file>
 
 <file path=ppt/changesInfos/changesInfo1.xml><?xml version="1.0" encoding="utf-8"?>
 <pc:chgInfo xmlns:a="http://schemas.openxmlformats.org/drawingml/2006/main" xmlns:r="http://schemas.openxmlformats.org/officeDocument/2006/relationships" xmlns:ac="http://schemas.microsoft.com/office/drawing/2013/main/command" xmlns:pc="http://schemas.microsoft.com/office/powerpoint/2013/main/command">
+  <pc:docChgLst>
+    <pc:chgData name="Eickhoff, Linus (DualStudy)" userId="S::linus.eickhoff@hpe.com::232a3455-1c7d-46de-a1c5-e40f2f153460" providerId="AD" clId="Web-{D949CD63-E8DE-5960-1155-1E1C3F468878}"/>
+    <pc:docChg chg="addSld delSld modSld sldOrd">
+      <pc:chgData name="Eickhoff, Linus (DualStudy)" userId="S::linus.eickhoff@hpe.com::232a3455-1c7d-46de-a1c5-e40f2f153460" providerId="AD" clId="Web-{D949CD63-E8DE-5960-1155-1E1C3F468878}" dt="2021-11-10T15:07:45.251" v="76"/>
+      <pc:docMkLst>
+        <pc:docMk/>
+      </pc:docMkLst>
+      <pc:sldChg chg="del">
+        <pc:chgData name="Eickhoff, Linus (DualStudy)" userId="S::linus.eickhoff@hpe.com::232a3455-1c7d-46de-a1c5-e40f2f153460" providerId="AD" clId="Web-{D949CD63-E8DE-5960-1155-1E1C3F468878}" dt="2021-11-10T15:02:38.508" v="3"/>
+        <pc:sldMkLst>
+          <pc:docMk/>
+          <pc:sldMk cId="2697997964" sldId="261"/>
+        </pc:sldMkLst>
+      </pc:sldChg>
+      <pc:sldChg chg="addSp delSp modSp ord">
+        <pc:chgData name="Eickhoff, Linus (DualStudy)" userId="S::linus.eickhoff@hpe.com::232a3455-1c7d-46de-a1c5-e40f2f153460" providerId="AD" clId="Web-{D949CD63-E8DE-5960-1155-1E1C3F468878}" dt="2021-11-10T15:07:23.719" v="74" actId="20577"/>
+        <pc:sldMkLst>
+          <pc:docMk/>
+          <pc:sldMk cId="2011952974" sldId="262"/>
+        </pc:sldMkLst>
+        <pc:spChg chg="mod">
+          <ac:chgData name="Eickhoff, Linus (DualStudy)" userId="S::linus.eickhoff@hpe.com::232a3455-1c7d-46de-a1c5-e40f2f153460" providerId="AD" clId="Web-{D949CD63-E8DE-5960-1155-1E1C3F468878}" dt="2021-11-10T15:07:23.719" v="74" actId="20577"/>
+          <ac:spMkLst>
+            <pc:docMk/>
+            <pc:sldMk cId="2011952974" sldId="262"/>
+            <ac:spMk id="2" creationId="{8186614B-3BC2-45A5-B9C0-3372ADDB2D51}"/>
+          </ac:spMkLst>
+        </pc:spChg>
+        <pc:spChg chg="del">
+          <ac:chgData name="Eickhoff, Linus (DualStudy)" userId="S::linus.eickhoff@hpe.com::232a3455-1c7d-46de-a1c5-e40f2f153460" providerId="AD" clId="Web-{D949CD63-E8DE-5960-1155-1E1C3F468878}" dt="2021-11-10T15:02:12.554" v="0"/>
+          <ac:spMkLst>
+            <pc:docMk/>
+            <pc:sldMk cId="2011952974" sldId="262"/>
+            <ac:spMk id="3" creationId="{0D6A7DD2-52AB-4418-A328-422233930B36}"/>
+          </ac:spMkLst>
+        </pc:spChg>
+        <pc:picChg chg="add mod ord">
+          <ac:chgData name="Eickhoff, Linus (DualStudy)" userId="S::linus.eickhoff@hpe.com::232a3455-1c7d-46de-a1c5-e40f2f153460" providerId="AD" clId="Web-{D949CD63-E8DE-5960-1155-1E1C3F468878}" dt="2021-11-10T15:03:43.712" v="15" actId="1076"/>
+          <ac:picMkLst>
+            <pc:docMk/>
+            <pc:sldMk cId="2011952974" sldId="262"/>
+            <ac:picMk id="4" creationId="{2B4D4995-7C62-473F-97EB-48AB04374F9F}"/>
+          </ac:picMkLst>
+        </pc:picChg>
+      </pc:sldChg>
+      <pc:sldChg chg="ord">
+        <pc:chgData name="Eickhoff, Linus (DualStudy)" userId="S::linus.eickhoff@hpe.com::232a3455-1c7d-46de-a1c5-e40f2f153460" providerId="AD" clId="Web-{D949CD63-E8DE-5960-1155-1E1C3F468878}" dt="2021-11-10T15:07:43.626" v="75"/>
+        <pc:sldMkLst>
+          <pc:docMk/>
+          <pc:sldMk cId="4028852578" sldId="265"/>
+        </pc:sldMkLst>
+      </pc:sldChg>
+      <pc:sldChg chg="addSp delSp modSp add ord replId">
+        <pc:chgData name="Eickhoff, Linus (DualStudy)" userId="S::linus.eickhoff@hpe.com::232a3455-1c7d-46de-a1c5-e40f2f153460" providerId="AD" clId="Web-{D949CD63-E8DE-5960-1155-1E1C3F468878}" dt="2021-11-10T15:07:45.251" v="76"/>
+        <pc:sldMkLst>
+          <pc:docMk/>
+          <pc:sldMk cId="1483544498" sldId="278"/>
+        </pc:sldMkLst>
+        <pc:spChg chg="mod">
+          <ac:chgData name="Eickhoff, Linus (DualStudy)" userId="S::linus.eickhoff@hpe.com::232a3455-1c7d-46de-a1c5-e40f2f153460" providerId="AD" clId="Web-{D949CD63-E8DE-5960-1155-1E1C3F468878}" dt="2021-11-10T15:04:18.229" v="42" actId="20577"/>
+          <ac:spMkLst>
+            <pc:docMk/>
+            <pc:sldMk cId="1483544498" sldId="278"/>
+            <ac:spMk id="2" creationId="{8186614B-3BC2-45A5-B9C0-3372ADDB2D51}"/>
+          </ac:spMkLst>
+        </pc:spChg>
+        <pc:spChg chg="add del mod">
+          <ac:chgData name="Eickhoff, Linus (DualStudy)" userId="S::linus.eickhoff@hpe.com::232a3455-1c7d-46de-a1c5-e40f2f153460" providerId="AD" clId="Web-{D949CD63-E8DE-5960-1155-1E1C3F468878}" dt="2021-11-10T15:04:41.229" v="43"/>
+          <ac:spMkLst>
+            <pc:docMk/>
+            <pc:sldMk cId="1483544498" sldId="278"/>
+            <ac:spMk id="5" creationId="{08F72077-9325-4D84-BB14-F15722ECF73E}"/>
+          </ac:spMkLst>
+        </pc:spChg>
+        <pc:picChg chg="del">
+          <ac:chgData name="Eickhoff, Linus (DualStudy)" userId="S::linus.eickhoff@hpe.com::232a3455-1c7d-46de-a1c5-e40f2f153460" providerId="AD" clId="Web-{D949CD63-E8DE-5960-1155-1E1C3F468878}" dt="2021-11-10T15:04:05.807" v="18"/>
+          <ac:picMkLst>
+            <pc:docMk/>
+            <pc:sldMk cId="1483544498" sldId="278"/>
+            <ac:picMk id="4" creationId="{2B4D4995-7C62-473F-97EB-48AB04374F9F}"/>
+          </ac:picMkLst>
+        </pc:picChg>
+        <pc:picChg chg="add mod ord">
+          <ac:chgData name="Eickhoff, Linus (DualStudy)" userId="S::linus.eickhoff@hpe.com::232a3455-1c7d-46de-a1c5-e40f2f153460" providerId="AD" clId="Web-{D949CD63-E8DE-5960-1155-1E1C3F468878}" dt="2021-11-10T15:04:49.026" v="44" actId="1076"/>
+          <ac:picMkLst>
+            <pc:docMk/>
+            <pc:sldMk cId="1483544498" sldId="278"/>
+            <ac:picMk id="6" creationId="{D4B3063B-40A9-4DAE-B4C0-483BF4AB3352}"/>
+          </ac:picMkLst>
+        </pc:picChg>
+        <pc:picChg chg="add mod">
+          <ac:chgData name="Eickhoff, Linus (DualStudy)" userId="S::linus.eickhoff@hpe.com::232a3455-1c7d-46de-a1c5-e40f2f153460" providerId="AD" clId="Web-{D949CD63-E8DE-5960-1155-1E1C3F468878}" dt="2021-11-10T15:05:39.965" v="56" actId="1076"/>
+          <ac:picMkLst>
+            <pc:docMk/>
+            <pc:sldMk cId="1483544498" sldId="278"/>
+            <ac:picMk id="7" creationId="{CD948EC8-AA62-4380-9014-A7CC4FA165F4}"/>
+          </ac:picMkLst>
+        </pc:picChg>
+      </pc:sldChg>
+    </pc:docChg>
+  </pc:docChgLst>
+  <pc:docChgLst>
+    <pc:chgData name="Gastbenutzer" userId="S::urn:spo:anon#eb4d140d883721b025dece736edc3e75ccac253066bc6bc9b01c51aa8c6a0091::" providerId="AD" clId="Web-{56C4E4AB-0323-5FBF-1312-38BEF63F0A1C}"/>
+    <pc:docChg chg="modSld">
+      <pc:chgData name="Gastbenutzer" userId="S::urn:spo:anon#eb4d140d883721b025dece736edc3e75ccac253066bc6bc9b01c51aa8c6a0091::" providerId="AD" clId="Web-{56C4E4AB-0323-5FBF-1312-38BEF63F0A1C}" dt="2021-11-10T19:42:46.782" v="21" actId="20577"/>
+      <pc:docMkLst>
+        <pc:docMk/>
+      </pc:docMkLst>
+      <pc:sldChg chg="modSp">
+        <pc:chgData name="Gastbenutzer" userId="S::urn:spo:anon#eb4d140d883721b025dece736edc3e75ccac253066bc6bc9b01c51aa8c6a0091::" providerId="AD" clId="Web-{56C4E4AB-0323-5FBF-1312-38BEF63F0A1C}" dt="2021-11-10T19:42:46.782" v="21" actId="20577"/>
+        <pc:sldMkLst>
+          <pc:docMk/>
+          <pc:sldMk cId="4028852578" sldId="265"/>
+        </pc:sldMkLst>
+        <pc:spChg chg="mod">
+          <ac:chgData name="Gastbenutzer" userId="S::urn:spo:anon#eb4d140d883721b025dece736edc3e75ccac253066bc6bc9b01c51aa8c6a0091::" providerId="AD" clId="Web-{56C4E4AB-0323-5FBF-1312-38BEF63F0A1C}" dt="2021-11-10T19:42:46.782" v="21" actId="20577"/>
+          <ac:spMkLst>
+            <pc:docMk/>
+            <pc:sldMk cId="4028852578" sldId="265"/>
+            <ac:spMk id="3" creationId="{BDB36104-52CD-4414-8790-4F9B42EC815F}"/>
+          </ac:spMkLst>
+        </pc:spChg>
+      </pc:sldChg>
+    </pc:docChg>
+  </pc:docChgLst>
+  <pc:docChgLst>
+    <pc:chgData name="Gastbenutzer" userId="S::urn:spo:anon#eb4d140d883721b025dece736edc3e75ccac253066bc6bc9b01c51aa8c6a0091::" providerId="AD" clId="Web-{77055F2F-461B-DA3D-143C-0AC009B9E7E7}"/>
+    <pc:docChg chg="addSld modSld">
+      <pc:chgData name="Gastbenutzer" userId="S::urn:spo:anon#eb4d140d883721b025dece736edc3e75ccac253066bc6bc9b01c51aa8c6a0091::" providerId="AD" clId="Web-{77055F2F-461B-DA3D-143C-0AC009B9E7E7}" dt="2021-11-10T09:35:12.876" v="702" actId="20577"/>
+      <pc:docMkLst>
+        <pc:docMk/>
+      </pc:docMkLst>
+      <pc:sldChg chg="modSp">
+        <pc:chgData name="Gastbenutzer" userId="S::urn:spo:anon#eb4d140d883721b025dece736edc3e75ccac253066bc6bc9b01c51aa8c6a0091::" providerId="AD" clId="Web-{77055F2F-461B-DA3D-143C-0AC009B9E7E7}" dt="2021-11-10T09:35:12.876" v="702" actId="20577"/>
+        <pc:sldMkLst>
+          <pc:docMk/>
+          <pc:sldMk cId="3690638817" sldId="259"/>
+        </pc:sldMkLst>
+        <pc:spChg chg="mod">
+          <ac:chgData name="Gastbenutzer" userId="S::urn:spo:anon#eb4d140d883721b025dece736edc3e75ccac253066bc6bc9b01c51aa8c6a0091::" providerId="AD" clId="Web-{77055F2F-461B-DA3D-143C-0AC009B9E7E7}" dt="2021-11-10T09:35:12.876" v="702" actId="20577"/>
+          <ac:spMkLst>
+            <pc:docMk/>
+            <pc:sldMk cId="3690638817" sldId="259"/>
+            <ac:spMk id="3" creationId="{36C27735-401A-4AC4-9655-1A22C35B7E80}"/>
+          </ac:spMkLst>
+        </pc:spChg>
+      </pc:sldChg>
+      <pc:sldChg chg="delSp modSp new mod modClrScheme chgLayout">
+        <pc:chgData name="Gastbenutzer" userId="S::urn:spo:anon#eb4d140d883721b025dece736edc3e75ccac253066bc6bc9b01c51aa8c6a0091::" providerId="AD" clId="Web-{77055F2F-461B-DA3D-143C-0AC009B9E7E7}" dt="2021-11-10T09:01:28.250" v="8" actId="20577"/>
+        <pc:sldMkLst>
+          <pc:docMk/>
+          <pc:sldMk cId="2703418953" sldId="273"/>
+        </pc:sldMkLst>
+        <pc:spChg chg="mod ord">
+          <ac:chgData name="Gastbenutzer" userId="S::urn:spo:anon#eb4d140d883721b025dece736edc3e75ccac253066bc6bc9b01c51aa8c6a0091::" providerId="AD" clId="Web-{77055F2F-461B-DA3D-143C-0AC009B9E7E7}" dt="2021-11-10T09:01:28.250" v="8" actId="20577"/>
+          <ac:spMkLst>
+            <pc:docMk/>
+            <pc:sldMk cId="2703418953" sldId="273"/>
+            <ac:spMk id="2" creationId="{C36E34F6-CD8C-4B38-AA5F-85E84F86286F}"/>
+          </ac:spMkLst>
+        </pc:spChg>
+        <pc:spChg chg="mod ord">
+          <ac:chgData name="Gastbenutzer" userId="S::urn:spo:anon#eb4d140d883721b025dece736edc3e75ccac253066bc6bc9b01c51aa8c6a0091::" providerId="AD" clId="Web-{77055F2F-461B-DA3D-143C-0AC009B9E7E7}" dt="2021-11-10T09:01:19.109" v="1"/>
+          <ac:spMkLst>
+            <pc:docMk/>
+            <pc:sldMk cId="2703418953" sldId="273"/>
+            <ac:spMk id="3" creationId="{74B6677F-3EA1-49A6-BDC0-75DA8E8E8527}"/>
+          </ac:spMkLst>
+        </pc:spChg>
+        <pc:spChg chg="del">
+          <ac:chgData name="Gastbenutzer" userId="S::urn:spo:anon#eb4d140d883721b025dece736edc3e75ccac253066bc6bc9b01c51aa8c6a0091::" providerId="AD" clId="Web-{77055F2F-461B-DA3D-143C-0AC009B9E7E7}" dt="2021-11-10T09:01:19.109" v="1"/>
+          <ac:spMkLst>
+            <pc:docMk/>
+            <pc:sldMk cId="2703418953" sldId="273"/>
+            <ac:spMk id="4" creationId="{83347EC7-B572-411F-ADA8-76EFBDA0E0CA}"/>
+          </ac:spMkLst>
+        </pc:spChg>
+      </pc:sldChg>
+      <pc:sldChg chg="modSp new mod modClrScheme chgLayout">
+        <pc:chgData name="Gastbenutzer" userId="S::urn:spo:anon#eb4d140d883721b025dece736edc3e75ccac253066bc6bc9b01c51aa8c6a0091::" providerId="AD" clId="Web-{77055F2F-461B-DA3D-143C-0AC009B9E7E7}" dt="2021-11-10T09:32:23.201" v="645" actId="20577"/>
+        <pc:sldMkLst>
+          <pc:docMk/>
+          <pc:sldMk cId="52035329" sldId="274"/>
+        </pc:sldMkLst>
+        <pc:spChg chg="mod ord">
+          <ac:chgData name="Gastbenutzer" userId="S::urn:spo:anon#eb4d140d883721b025dece736edc3e75ccac253066bc6bc9b01c51aa8c6a0091::" providerId="AD" clId="Web-{77055F2F-461B-DA3D-143C-0AC009B9E7E7}" dt="2021-11-10T09:03:47.455" v="19" actId="20577"/>
+          <ac:spMkLst>
+            <pc:docMk/>
+            <pc:sldMk cId="52035329" sldId="274"/>
+            <ac:spMk id="2" creationId="{5A94F59C-CF7A-4E20-866F-E7F0ADBA823D}"/>
+          </ac:spMkLst>
+        </pc:spChg>
+        <pc:spChg chg="mod ord">
+          <ac:chgData name="Gastbenutzer" userId="S::urn:spo:anon#eb4d140d883721b025dece736edc3e75ccac253066bc6bc9b01c51aa8c6a0091::" providerId="AD" clId="Web-{77055F2F-461B-DA3D-143C-0AC009B9E7E7}" dt="2021-11-10T09:32:23.201" v="645" actId="20577"/>
+          <ac:spMkLst>
+            <pc:docMk/>
+            <pc:sldMk cId="52035329" sldId="274"/>
+            <ac:spMk id="3" creationId="{BEF70E7D-9BC2-4A30-8FE8-D3B10484DD0E}"/>
+          </ac:spMkLst>
+        </pc:spChg>
+      </pc:sldChg>
+      <pc:sldChg chg="modSp new">
+        <pc:chgData name="Gastbenutzer" userId="S::urn:spo:anon#eb4d140d883721b025dece736edc3e75ccac253066bc6bc9b01c51aa8c6a0091::" providerId="AD" clId="Web-{77055F2F-461B-DA3D-143C-0AC009B9E7E7}" dt="2021-11-10T09:32:32.530" v="652" actId="20577"/>
+        <pc:sldMkLst>
+          <pc:docMk/>
+          <pc:sldMk cId="1163434423" sldId="275"/>
+        </pc:sldMkLst>
+        <pc:spChg chg="mod">
+          <ac:chgData name="Gastbenutzer" userId="S::urn:spo:anon#eb4d140d883721b025dece736edc3e75ccac253066bc6bc9b01c51aa8c6a0091::" providerId="AD" clId="Web-{77055F2F-461B-DA3D-143C-0AC009B9E7E7}" dt="2021-11-10T09:06:41.848" v="90" actId="20577"/>
+          <ac:spMkLst>
+            <pc:docMk/>
+            <pc:sldMk cId="1163434423" sldId="275"/>
+            <ac:spMk id="2" creationId="{6C645F43-2018-4264-B08C-B566A6CAE0B3}"/>
+          </ac:spMkLst>
+        </pc:spChg>
+        <pc:spChg chg="mod">
+          <ac:chgData name="Gastbenutzer" userId="S::urn:spo:anon#eb4d140d883721b025dece736edc3e75ccac253066bc6bc9b01c51aa8c6a0091::" providerId="AD" clId="Web-{77055F2F-461B-DA3D-143C-0AC009B9E7E7}" dt="2021-11-10T09:32:32.530" v="652" actId="20577"/>
+          <ac:spMkLst>
+            <pc:docMk/>
+            <pc:sldMk cId="1163434423" sldId="275"/>
+            <ac:spMk id="3" creationId="{467E6493-C229-4976-ABA9-93403F68EB7C}"/>
+          </ac:spMkLst>
+        </pc:spChg>
+      </pc:sldChg>
+      <pc:sldChg chg="modSp new">
+        <pc:chgData name="Gastbenutzer" userId="S::urn:spo:anon#eb4d140d883721b025dece736edc3e75ccac253066bc6bc9b01c51aa8c6a0091::" providerId="AD" clId="Web-{77055F2F-461B-DA3D-143C-0AC009B9E7E7}" dt="2021-11-10T09:32:40.202" v="660" actId="20577"/>
+        <pc:sldMkLst>
+          <pc:docMk/>
+          <pc:sldMk cId="3295729145" sldId="276"/>
+        </pc:sldMkLst>
+        <pc:spChg chg="mod">
+          <ac:chgData name="Gastbenutzer" userId="S::urn:spo:anon#eb4d140d883721b025dece736edc3e75ccac253066bc6bc9b01c51aa8c6a0091::" providerId="AD" clId="Web-{77055F2F-461B-DA3D-143C-0AC009B9E7E7}" dt="2021-11-10T09:07:40.443" v="103" actId="20577"/>
+          <ac:spMkLst>
+            <pc:docMk/>
+            <pc:sldMk cId="3295729145" sldId="276"/>
+            <ac:spMk id="2" creationId="{CE0AA137-6C3E-4F56-8DA5-CA9223B8B10A}"/>
+          </ac:spMkLst>
+        </pc:spChg>
+        <pc:spChg chg="mod">
+          <ac:chgData name="Gastbenutzer" userId="S::urn:spo:anon#eb4d140d883721b025dece736edc3e75ccac253066bc6bc9b01c51aa8c6a0091::" providerId="AD" clId="Web-{77055F2F-461B-DA3D-143C-0AC009B9E7E7}" dt="2021-11-10T09:32:40.202" v="660" actId="20577"/>
+          <ac:spMkLst>
+            <pc:docMk/>
+            <pc:sldMk cId="3295729145" sldId="276"/>
+            <ac:spMk id="3" creationId="{D6B7FA56-6BF4-4A3A-8381-408EF6539B9C}"/>
+          </ac:spMkLst>
+        </pc:spChg>
+      </pc:sldChg>
+      <pc:sldChg chg="modSp new">
+        <pc:chgData name="Gastbenutzer" userId="S::urn:spo:anon#eb4d140d883721b025dece736edc3e75ccac253066bc6bc9b01c51aa8c6a0091::" providerId="AD" clId="Web-{77055F2F-461B-DA3D-143C-0AC009B9E7E7}" dt="2021-11-10T09:33:18.280" v="670" actId="20577"/>
+        <pc:sldMkLst>
+          <pc:docMk/>
+          <pc:sldMk cId="1012849892" sldId="277"/>
+        </pc:sldMkLst>
+        <pc:spChg chg="mod">
+          <ac:chgData name="Gastbenutzer" userId="S::urn:spo:anon#eb4d140d883721b025dece736edc3e75ccac253066bc6bc9b01c51aa8c6a0091::" providerId="AD" clId="Web-{77055F2F-461B-DA3D-143C-0AC009B9E7E7}" dt="2021-11-10T09:08:27.709" v="123" actId="20577"/>
+          <ac:spMkLst>
+            <pc:docMk/>
+            <pc:sldMk cId="1012849892" sldId="277"/>
+            <ac:spMk id="2" creationId="{D09F1CC6-EB23-479E-B025-507FA78B3BFE}"/>
+          </ac:spMkLst>
+        </pc:spChg>
+        <pc:spChg chg="mod">
+          <ac:chgData name="Gastbenutzer" userId="S::urn:spo:anon#eb4d140d883721b025dece736edc3e75ccac253066bc6bc9b01c51aa8c6a0091::" providerId="AD" clId="Web-{77055F2F-461B-DA3D-143C-0AC009B9E7E7}" dt="2021-11-10T09:33:18.280" v="670" actId="20577"/>
+          <ac:spMkLst>
+            <pc:docMk/>
+            <pc:sldMk cId="1012849892" sldId="277"/>
+            <ac:spMk id="3" creationId="{F329EDD1-BB2D-4919-A5C8-F7215C27DBB9}"/>
+          </ac:spMkLst>
+        </pc:spChg>
+      </pc:sldChg>
+    </pc:docChg>
+  </pc:docChgLst>
+  <pc:docChgLst>
+    <pc:chgData name="Eickhoff, Linus (DualStudy)" userId="232a3455-1c7d-46de-a1c5-e40f2f153460" providerId="ADAL" clId="{43900656-72C3-49F3-8B09-F27B45177A16}"/>
+    <pc:docChg chg="modSld sldOrd">
+      <pc:chgData name="Eickhoff, Linus (DualStudy)" userId="232a3455-1c7d-46de-a1c5-e40f2f153460" providerId="ADAL" clId="{43900656-72C3-49F3-8B09-F27B45177A16}" dt="2021-11-11T15:26:30.046" v="9"/>
+      <pc:docMkLst>
+        <pc:docMk/>
+      </pc:docMkLst>
+      <pc:sldChg chg="ord">
+        <pc:chgData name="Eickhoff, Linus (DualStudy)" userId="232a3455-1c7d-46de-a1c5-e40f2f153460" providerId="ADAL" clId="{43900656-72C3-49F3-8B09-F27B45177A16}" dt="2021-11-11T15:25:50.974" v="3"/>
+        <pc:sldMkLst>
+          <pc:docMk/>
+          <pc:sldMk cId="3690638817" sldId="259"/>
+        </pc:sldMkLst>
+      </pc:sldChg>
+      <pc:sldChg chg="ord">
+        <pc:chgData name="Eickhoff, Linus (DualStudy)" userId="232a3455-1c7d-46de-a1c5-e40f2f153460" providerId="ADAL" clId="{43900656-72C3-49F3-8B09-F27B45177A16}" dt="2021-11-11T15:26:26.320" v="7"/>
+        <pc:sldMkLst>
+          <pc:docMk/>
+          <pc:sldMk cId="4185904270" sldId="260"/>
+        </pc:sldMkLst>
+      </pc:sldChg>
+      <pc:sldChg chg="ord">
+        <pc:chgData name="Eickhoff, Linus (DualStudy)" userId="232a3455-1c7d-46de-a1c5-e40f2f153460" providerId="ADAL" clId="{43900656-72C3-49F3-8B09-F27B45177A16}" dt="2021-11-11T15:26:21.937" v="5"/>
+        <pc:sldMkLst>
+          <pc:docMk/>
+          <pc:sldMk cId="2011952974" sldId="262"/>
+        </pc:sldMkLst>
+      </pc:sldChg>
+      <pc:sldChg chg="ord">
+        <pc:chgData name="Eickhoff, Linus (DualStudy)" userId="232a3455-1c7d-46de-a1c5-e40f2f153460" providerId="ADAL" clId="{43900656-72C3-49F3-8B09-F27B45177A16}" dt="2021-11-11T15:26:30.046" v="9"/>
+        <pc:sldMkLst>
+          <pc:docMk/>
+          <pc:sldMk cId="1483544498" sldId="278"/>
+        </pc:sldMkLst>
+      </pc:sldChg>
+    </pc:docChg>
+  </pc:docChgLst>
+  <pc:docChgLst>
+    <pc:chgData name="Guest User" userId="S::urn:spo:anon#eb4d140d883721b025dece736edc3e75ccac253066bc6bc9b01c51aa8c6a0091::" providerId="AD" clId="Web-{61D18D30-85A0-ACE3-0848-AA88006C46B1}"/>
+    <pc:docChg chg="modSld">
+      <pc:chgData name="Guest User" userId="S::urn:spo:anon#eb4d140d883721b025dece736edc3e75ccac253066bc6bc9b01c51aa8c6a0091::" providerId="AD" clId="Web-{61D18D30-85A0-ACE3-0848-AA88006C46B1}" dt="2021-11-08T16:18:08.934" v="273" actId="20577"/>
+      <pc:docMkLst>
+        <pc:docMk/>
+      </pc:docMkLst>
+      <pc:sldChg chg="modSp">
+        <pc:chgData name="Guest User" userId="S::urn:spo:anon#eb4d140d883721b025dece736edc3e75ccac253066bc6bc9b01c51aa8c6a0091::" providerId="AD" clId="Web-{61D18D30-85A0-ACE3-0848-AA88006C46B1}" dt="2021-11-08T16:18:08.934" v="273" actId="20577"/>
+        <pc:sldMkLst>
+          <pc:docMk/>
+          <pc:sldMk cId="3690638817" sldId="259"/>
+        </pc:sldMkLst>
+        <pc:spChg chg="mod">
+          <ac:chgData name="Guest User" userId="S::urn:spo:anon#eb4d140d883721b025dece736edc3e75ccac253066bc6bc9b01c51aa8c6a0091::" providerId="AD" clId="Web-{61D18D30-85A0-ACE3-0848-AA88006C46B1}" dt="2021-11-08T16:10:28.155" v="10" actId="20577"/>
+          <ac:spMkLst>
+            <pc:docMk/>
+            <pc:sldMk cId="3690638817" sldId="259"/>
+            <ac:spMk id="2" creationId="{608B1735-C342-4957-BE30-E80E8FEEAE8C}"/>
+          </ac:spMkLst>
+        </pc:spChg>
+        <pc:spChg chg="mod">
+          <ac:chgData name="Guest User" userId="S::urn:spo:anon#eb4d140d883721b025dece736edc3e75ccac253066bc6bc9b01c51aa8c6a0091::" providerId="AD" clId="Web-{61D18D30-85A0-ACE3-0848-AA88006C46B1}" dt="2021-11-08T16:18:08.934" v="273" actId="20577"/>
+          <ac:spMkLst>
+            <pc:docMk/>
+            <pc:sldMk cId="3690638817" sldId="259"/>
+            <ac:spMk id="3" creationId="{36C27735-401A-4AC4-9655-1A22C35B7E80}"/>
+          </ac:spMkLst>
+        </pc:spChg>
+      </pc:sldChg>
+    </pc:docChg>
+  </pc:docChgLst>
+  <pc:docChgLst>
+    <pc:chgData name="Gastbenutzer" userId="S::urn:spo:anon#eb4d140d883721b025dece736edc3e75ccac253066bc6bc9b01c51aa8c6a0091::" providerId="AD" clId="Web-{207D0B9F-80C7-0AE0-A777-08984F622E0C}"/>
+    <pc:docChg chg="addSld modSld">
+      <pc:chgData name="Gastbenutzer" userId="S::urn:spo:anon#eb4d140d883721b025dece736edc3e75ccac253066bc6bc9b01c51aa8c6a0091::" providerId="AD" clId="Web-{207D0B9F-80C7-0AE0-A777-08984F622E0C}" dt="2021-11-10T18:56:49.675" v="395" actId="20577"/>
+      <pc:docMkLst>
+        <pc:docMk/>
+      </pc:docMkLst>
+      <pc:sldChg chg="modSp">
+        <pc:chgData name="Gastbenutzer" userId="S::urn:spo:anon#eb4d140d883721b025dece736edc3e75ccac253066bc6bc9b01c51aa8c6a0091::" providerId="AD" clId="Web-{207D0B9F-80C7-0AE0-A777-08984F622E0C}" dt="2021-11-10T18:56:19.940" v="383" actId="20577"/>
+        <pc:sldMkLst>
+          <pc:docMk/>
+          <pc:sldMk cId="1902015686" sldId="263"/>
+        </pc:sldMkLst>
+        <pc:spChg chg="mod">
+          <ac:chgData name="Gastbenutzer" userId="S::urn:spo:anon#eb4d140d883721b025dece736edc3e75ccac253066bc6bc9b01c51aa8c6a0091::" providerId="AD" clId="Web-{207D0B9F-80C7-0AE0-A777-08984F622E0C}" dt="2021-11-10T18:56:19.940" v="383" actId="20577"/>
+          <ac:spMkLst>
+            <pc:docMk/>
+            <pc:sldMk cId="1902015686" sldId="263"/>
+            <ac:spMk id="3" creationId="{F8183CDE-6842-440C-945C-5AB441870CE3}"/>
+          </ac:spMkLst>
+        </pc:spChg>
+      </pc:sldChg>
+      <pc:sldChg chg="modSp">
+        <pc:chgData name="Gastbenutzer" userId="S::urn:spo:anon#eb4d140d883721b025dece736edc3e75ccac253066bc6bc9b01c51aa8c6a0091::" providerId="AD" clId="Web-{207D0B9F-80C7-0AE0-A777-08984F622E0C}" dt="2021-11-10T18:56:25.362" v="384" actId="20577"/>
+        <pc:sldMkLst>
+          <pc:docMk/>
+          <pc:sldMk cId="1457887039" sldId="264"/>
+        </pc:sldMkLst>
+        <pc:spChg chg="mod">
+          <ac:chgData name="Gastbenutzer" userId="S::urn:spo:anon#eb4d140d883721b025dece736edc3e75ccac253066bc6bc9b01c51aa8c6a0091::" providerId="AD" clId="Web-{207D0B9F-80C7-0AE0-A777-08984F622E0C}" dt="2021-11-10T18:56:25.362" v="384" actId="20577"/>
+          <ac:spMkLst>
+            <pc:docMk/>
+            <pc:sldMk cId="1457887039" sldId="264"/>
+            <ac:spMk id="3" creationId="{F8183CDE-6842-440C-945C-5AB441870CE3}"/>
+          </ac:spMkLst>
+        </pc:spChg>
+      </pc:sldChg>
+      <pc:sldChg chg="modSp">
+        <pc:chgData name="Gastbenutzer" userId="S::urn:spo:anon#eb4d140d883721b025dece736edc3e75ccac253066bc6bc9b01c51aa8c6a0091::" providerId="AD" clId="Web-{207D0B9F-80C7-0AE0-A777-08984F622E0C}" dt="2021-11-10T18:56:35.002" v="386" actId="20577"/>
+        <pc:sldMkLst>
+          <pc:docMk/>
+          <pc:sldMk cId="4028852578" sldId="265"/>
+        </pc:sldMkLst>
+        <pc:spChg chg="mod">
+          <ac:chgData name="Gastbenutzer" userId="S::urn:spo:anon#eb4d140d883721b025dece736edc3e75ccac253066bc6bc9b01c51aa8c6a0091::" providerId="AD" clId="Web-{207D0B9F-80C7-0AE0-A777-08984F622E0C}" dt="2021-11-10T18:52:13.606" v="281" actId="20577"/>
+          <ac:spMkLst>
+            <pc:docMk/>
+            <pc:sldMk cId="4028852578" sldId="265"/>
+            <ac:spMk id="2" creationId="{9C634A38-DA8C-48FE-9F31-72616518A2B2}"/>
+          </ac:spMkLst>
+        </pc:spChg>
+        <pc:spChg chg="mod">
+          <ac:chgData name="Gastbenutzer" userId="S::urn:spo:anon#eb4d140d883721b025dece736edc3e75ccac253066bc6bc9b01c51aa8c6a0091::" providerId="AD" clId="Web-{207D0B9F-80C7-0AE0-A777-08984F622E0C}" dt="2021-11-10T18:56:35.002" v="386" actId="20577"/>
+          <ac:spMkLst>
+            <pc:docMk/>
+            <pc:sldMk cId="4028852578" sldId="265"/>
+            <ac:spMk id="3" creationId="{BDB36104-52CD-4414-8790-4F9B42EC815F}"/>
+          </ac:spMkLst>
+        </pc:spChg>
+      </pc:sldChg>
+      <pc:sldChg chg="modSp new">
+        <pc:chgData name="Gastbenutzer" userId="S::urn:spo:anon#eb4d140d883721b025dece736edc3e75ccac253066bc6bc9b01c51aa8c6a0091::" providerId="AD" clId="Web-{207D0B9F-80C7-0AE0-A777-08984F622E0C}" dt="2021-11-10T18:56:49.675" v="395" actId="20577"/>
+        <pc:sldMkLst>
+          <pc:docMk/>
+          <pc:sldMk cId="337024292" sldId="279"/>
+        </pc:sldMkLst>
+        <pc:spChg chg="mod">
+          <ac:chgData name="Gastbenutzer" userId="S::urn:spo:anon#eb4d140d883721b025dece736edc3e75ccac253066bc6bc9b01c51aa8c6a0091::" providerId="AD" clId="Web-{207D0B9F-80C7-0AE0-A777-08984F622E0C}" dt="2021-11-10T18:56:49.675" v="395" actId="20577"/>
+          <ac:spMkLst>
+            <pc:docMk/>
+            <pc:sldMk cId="337024292" sldId="279"/>
+            <ac:spMk id="2" creationId="{6F1379FD-EBD3-459E-A5BB-05D6E39E2A84}"/>
+          </ac:spMkLst>
+        </pc:spChg>
+      </pc:sldChg>
+    </pc:docChg>
+  </pc:docChgLst>
+  <pc:docChgLst>
+    <pc:chgData name="Gastbenutzer" userId="S::urn:spo:anon#eb4d140d883721b025dece736edc3e75ccac253066bc6bc9b01c51aa8c6a0091::" providerId="AD" clId="Web-{5ADC4E3B-4F46-4329-BB2B-249927BEFB97}"/>
+    <pc:docChg chg="modSld">
+      <pc:chgData name="Gastbenutzer" userId="S::urn:spo:anon#eb4d140d883721b025dece736edc3e75ccac253066bc6bc9b01c51aa8c6a0091::" providerId="AD" clId="Web-{5ADC4E3B-4F46-4329-BB2B-249927BEFB97}" dt="2021-11-08T16:26:13.668" v="3"/>
+      <pc:docMkLst>
+        <pc:docMk/>
+      </pc:docMkLst>
+      <pc:sldChg chg="addSp modSp">
+        <pc:chgData name="Gastbenutzer" userId="S::urn:spo:anon#eb4d140d883721b025dece736edc3e75ccac253066bc6bc9b01c51aa8c6a0091::" providerId="AD" clId="Web-{5ADC4E3B-4F46-4329-BB2B-249927BEFB97}" dt="2021-11-08T16:26:13.668" v="3"/>
+        <pc:sldMkLst>
+          <pc:docMk/>
+          <pc:sldMk cId="3705192356" sldId="258"/>
+        </pc:sldMkLst>
+        <pc:spChg chg="mod">
+          <ac:chgData name="Gastbenutzer" userId="S::urn:spo:anon#eb4d140d883721b025dece736edc3e75ccac253066bc6bc9b01c51aa8c6a0091::" providerId="AD" clId="Web-{5ADC4E3B-4F46-4329-BB2B-249927BEFB97}" dt="2021-11-08T15:10:04.145" v="2" actId="20577"/>
+          <ac:spMkLst>
+            <pc:docMk/>
+            <pc:sldMk cId="3705192356" sldId="258"/>
+            <ac:spMk id="3" creationId="{377E6AA3-A089-42CC-9BB5-BABF814B1706}"/>
+          </ac:spMkLst>
+        </pc:spChg>
+        <pc:spChg chg="add">
+          <ac:chgData name="Gastbenutzer" userId="S::urn:spo:anon#eb4d140d883721b025dece736edc3e75ccac253066bc6bc9b01c51aa8c6a0091::" providerId="AD" clId="Web-{5ADC4E3B-4F46-4329-BB2B-249927BEFB97}" dt="2021-11-08T16:26:13.668" v="3"/>
+          <ac:spMkLst>
+            <pc:docMk/>
+            <pc:sldMk cId="3705192356" sldId="258"/>
+            <ac:spMk id="4" creationId="{C56491FC-11A9-43B0-B6FC-42AAB9907637}"/>
+          </ac:spMkLst>
+        </pc:spChg>
+      </pc:sldChg>
+    </pc:docChg>
+  </pc:docChgLst>
+  <pc:docChgLst>
+    <pc:chgData name="Gastbenutzer" userId="S::urn:spo:anon#d338232c970e79bfcf32bd832e64b10caeeeedfb5f10a660d8e775cadeb03618::" providerId="AD" clId="Web-{BEC3A6A4-6767-6E20-724C-D8E291A2FF54}"/>
+    <pc:docChg chg="modSld">
+      <pc:chgData name="Gastbenutzer" userId="S::urn:spo:anon#d338232c970e79bfcf32bd832e64b10caeeeedfb5f10a660d8e775cadeb03618::" providerId="AD" clId="Web-{BEC3A6A4-6767-6E20-724C-D8E291A2FF54}" dt="2021-11-08T20:11:50.636" v="8" actId="20577"/>
+      <pc:docMkLst>
+        <pc:docMk/>
+      </pc:docMkLst>
+      <pc:sldChg chg="modSp">
+        <pc:chgData name="Gastbenutzer" userId="S::urn:spo:anon#d338232c970e79bfcf32bd832e64b10caeeeedfb5f10a660d8e775cadeb03618::" providerId="AD" clId="Web-{BEC3A6A4-6767-6E20-724C-D8E291A2FF54}" dt="2021-11-08T20:11:50.636" v="8" actId="20577"/>
+        <pc:sldMkLst>
+          <pc:docMk/>
+          <pc:sldMk cId="3690638817" sldId="259"/>
+        </pc:sldMkLst>
+        <pc:spChg chg="mod">
+          <ac:chgData name="Gastbenutzer" userId="S::urn:spo:anon#d338232c970e79bfcf32bd832e64b10caeeeedfb5f10a660d8e775cadeb03618::" providerId="AD" clId="Web-{BEC3A6A4-6767-6E20-724C-D8E291A2FF54}" dt="2021-11-08T20:11:50.636" v="8" actId="20577"/>
+          <ac:spMkLst>
+            <pc:docMk/>
+            <pc:sldMk cId="3690638817" sldId="259"/>
+            <ac:spMk id="3" creationId="{36C27735-401A-4AC4-9655-1A22C35B7E80}"/>
+          </ac:spMkLst>
+        </pc:spChg>
+      </pc:sldChg>
+    </pc:docChg>
+  </pc:docChgLst>
+  <pc:docChgLst>
+    <pc:chgData name="Gastbenutzer" userId="S::urn:spo:anon#eb4d140d883721b025dece736edc3e75ccac253066bc6bc9b01c51aa8c6a0091::" providerId="AD" clId="Web-{623016E1-72E6-4818-86B9-F67E571B952C}"/>
+    <pc:docChg chg="addSld modSld sldOrd">
+      <pc:chgData name="Gastbenutzer" userId="S::urn:spo:anon#eb4d140d883721b025dece736edc3e75ccac253066bc6bc9b01c51aa8c6a0091::" providerId="AD" clId="Web-{623016E1-72E6-4818-86B9-F67E571B952C}" dt="2021-11-08T18:34:41.354" v="49" actId="20577"/>
+      <pc:docMkLst>
+        <pc:docMk/>
+      </pc:docMkLst>
+      <pc:sldChg chg="modSp">
+        <pc:chgData name="Gastbenutzer" userId="S::urn:spo:anon#eb4d140d883721b025dece736edc3e75ccac253066bc6bc9b01c51aa8c6a0091::" providerId="AD" clId="Web-{623016E1-72E6-4818-86B9-F67E571B952C}" dt="2021-11-08T15:08:56.715" v="12" actId="20577"/>
+        <pc:sldMkLst>
+          <pc:docMk/>
+          <pc:sldMk cId="3705192356" sldId="258"/>
+        </pc:sldMkLst>
+        <pc:spChg chg="mod">
+          <ac:chgData name="Gastbenutzer" userId="S::urn:spo:anon#eb4d140d883721b025dece736edc3e75ccac253066bc6bc9b01c51aa8c6a0091::" providerId="AD" clId="Web-{623016E1-72E6-4818-86B9-F67E571B952C}" dt="2021-11-08T15:08:56.715" v="12" actId="20577"/>
+          <ac:spMkLst>
+            <pc:docMk/>
+            <pc:sldMk cId="3705192356" sldId="258"/>
+            <ac:spMk id="3" creationId="{377E6AA3-A089-42CC-9BB5-BABF814B1706}"/>
+          </ac:spMkLst>
+        </pc:spChg>
+      </pc:sldChg>
+      <pc:sldChg chg="modSp new ord">
+        <pc:chgData name="Gastbenutzer" userId="S::urn:spo:anon#eb4d140d883721b025dece736edc3e75ccac253066bc6bc9b01c51aa8c6a0091::" providerId="AD" clId="Web-{623016E1-72E6-4818-86B9-F67E571B952C}" dt="2021-11-08T18:34:17.338" v="36" actId="20577"/>
+        <pc:sldMkLst>
+          <pc:docMk/>
+          <pc:sldMk cId="1902015686" sldId="263"/>
+        </pc:sldMkLst>
+        <pc:spChg chg="mod">
+          <ac:chgData name="Gastbenutzer" userId="S::urn:spo:anon#eb4d140d883721b025dece736edc3e75ccac253066bc6bc9b01c51aa8c6a0091::" providerId="AD" clId="Web-{623016E1-72E6-4818-86B9-F67E571B952C}" dt="2021-11-08T18:34:17.338" v="36" actId="20577"/>
+          <ac:spMkLst>
+            <pc:docMk/>
+            <pc:sldMk cId="1902015686" sldId="263"/>
+            <ac:spMk id="2" creationId="{86FE024D-F6D4-4FD1-9E02-A670F04B49C8}"/>
+          </ac:spMkLst>
+        </pc:spChg>
+      </pc:sldChg>
+      <pc:sldChg chg="modSp add replId">
+        <pc:chgData name="Gastbenutzer" userId="S::urn:spo:anon#eb4d140d883721b025dece736edc3e75ccac253066bc6bc9b01c51aa8c6a0091::" providerId="AD" clId="Web-{623016E1-72E6-4818-86B9-F67E571B952C}" dt="2021-11-08T18:34:27.400" v="42" actId="20577"/>
+        <pc:sldMkLst>
+          <pc:docMk/>
+          <pc:sldMk cId="1457887039" sldId="264"/>
+        </pc:sldMkLst>
+        <pc:spChg chg="mod">
+          <ac:chgData name="Gastbenutzer" userId="S::urn:spo:anon#eb4d140d883721b025dece736edc3e75ccac253066bc6bc9b01c51aa8c6a0091::" providerId="AD" clId="Web-{623016E1-72E6-4818-86B9-F67E571B952C}" dt="2021-11-08T18:34:27.400" v="42" actId="20577"/>
+          <ac:spMkLst>
+            <pc:docMk/>
+            <pc:sldMk cId="1457887039" sldId="264"/>
+            <ac:spMk id="2" creationId="{86FE024D-F6D4-4FD1-9E02-A670F04B49C8}"/>
+          </ac:spMkLst>
+        </pc:spChg>
+      </pc:sldChg>
+      <pc:sldChg chg="modSp new">
+        <pc:chgData name="Gastbenutzer" userId="S::urn:spo:anon#eb4d140d883721b025dece736edc3e75ccac253066bc6bc9b01c51aa8c6a0091::" providerId="AD" clId="Web-{623016E1-72E6-4818-86B9-F67E571B952C}" dt="2021-11-08T18:34:41.354" v="49" actId="20577"/>
+        <pc:sldMkLst>
+          <pc:docMk/>
+          <pc:sldMk cId="4028852578" sldId="265"/>
+        </pc:sldMkLst>
+        <pc:spChg chg="mod">
+          <ac:chgData name="Gastbenutzer" userId="S::urn:spo:anon#eb4d140d883721b025dece736edc3e75ccac253066bc6bc9b01c51aa8c6a0091::" providerId="AD" clId="Web-{623016E1-72E6-4818-86B9-F67E571B952C}" dt="2021-11-08T18:34:41.354" v="49" actId="20577"/>
+          <ac:spMkLst>
+            <pc:docMk/>
+            <pc:sldMk cId="4028852578" sldId="265"/>
+            <ac:spMk id="2" creationId="{9C634A38-DA8C-48FE-9F31-72616518A2B2}"/>
+          </ac:spMkLst>
+        </pc:spChg>
+      </pc:sldChg>
+    </pc:docChg>
+  </pc:docChgLst>
+  <pc:docChgLst>
+    <pc:chgData name="Eickhoff, Linus (DualStudy)" userId="S::linus.eickhoff@hpe.com::232a3455-1c7d-46de-a1c5-e40f2f153460" providerId="AD" clId="Web-{D2E444FC-475D-FC57-7142-8E27B036BEDE}"/>
+    <pc:docChg chg="addSld modSld">
+      <pc:chgData name="Eickhoff, Linus (DualStudy)" userId="S::linus.eickhoff@hpe.com::232a3455-1c7d-46de-a1c5-e40f2f153460" providerId="AD" clId="Web-{D2E444FC-475D-FC57-7142-8E27B036BEDE}" dt="2021-11-08T16:38:56.927" v="494" actId="20577"/>
+      <pc:docMkLst>
+        <pc:docMk/>
+      </pc:docMkLst>
+      <pc:sldChg chg="addSp delSp">
+        <pc:chgData name="Eickhoff, Linus (DualStudy)" userId="S::linus.eickhoff@hpe.com::232a3455-1c7d-46de-a1c5-e40f2f153460" providerId="AD" clId="Web-{D2E444FC-475D-FC57-7142-8E27B036BEDE}" dt="2021-11-08T16:27:30.896" v="228"/>
+        <pc:sldMkLst>
+          <pc:docMk/>
+          <pc:sldMk cId="3705192356" sldId="258"/>
+        </pc:sldMkLst>
+        <pc:spChg chg="del">
+          <ac:chgData name="Eickhoff, Linus (DualStudy)" userId="S::linus.eickhoff@hpe.com::232a3455-1c7d-46de-a1c5-e40f2f153460" providerId="AD" clId="Web-{D2E444FC-475D-FC57-7142-8E27B036BEDE}" dt="2021-11-08T16:27:30.896" v="228"/>
+          <ac:spMkLst>
+            <pc:docMk/>
+            <pc:sldMk cId="3705192356" sldId="258"/>
+            <ac:spMk id="4" creationId="{C56491FC-11A9-43B0-B6FC-42AAB9907637}"/>
+          </ac:spMkLst>
+        </pc:spChg>
+        <pc:spChg chg="add del">
+          <ac:chgData name="Eickhoff, Linus (DualStudy)" userId="S::linus.eickhoff@hpe.com::232a3455-1c7d-46de-a1c5-e40f2f153460" providerId="AD" clId="Web-{D2E444FC-475D-FC57-7142-8E27B036BEDE}" dt="2021-11-08T16:27:25.458" v="227"/>
+          <ac:spMkLst>
+            <pc:docMk/>
+            <pc:sldMk cId="3705192356" sldId="258"/>
+            <ac:spMk id="5" creationId="{6BE23A92-F0B8-4BDA-822E-6BF7AC014665}"/>
+          </ac:spMkLst>
+        </pc:spChg>
+      </pc:sldChg>
+      <pc:sldChg chg="modSp">
+        <pc:chgData name="Eickhoff, Linus (DualStudy)" userId="S::linus.eickhoff@hpe.com::232a3455-1c7d-46de-a1c5-e40f2f153460" providerId="AD" clId="Web-{D2E444FC-475D-FC57-7142-8E27B036BEDE}" dt="2021-11-08T16:27:05.442" v="224" actId="20577"/>
+        <pc:sldMkLst>
+          <pc:docMk/>
+          <pc:sldMk cId="3690638817" sldId="259"/>
+        </pc:sldMkLst>
+        <pc:spChg chg="mod">
+          <ac:chgData name="Eickhoff, Linus (DualStudy)" userId="S::linus.eickhoff@hpe.com::232a3455-1c7d-46de-a1c5-e40f2f153460" providerId="AD" clId="Web-{D2E444FC-475D-FC57-7142-8E27B036BEDE}" dt="2021-11-08T16:27:05.442" v="224" actId="20577"/>
+          <ac:spMkLst>
+            <pc:docMk/>
+            <pc:sldMk cId="3690638817" sldId="259"/>
+            <ac:spMk id="3" creationId="{36C27735-401A-4AC4-9655-1A22C35B7E80}"/>
+          </ac:spMkLst>
+        </pc:spChg>
+      </pc:sldChg>
+      <pc:sldChg chg="addSp delSp modSp new">
+        <pc:chgData name="Eickhoff, Linus (DualStudy)" userId="S::linus.eickhoff@hpe.com::232a3455-1c7d-46de-a1c5-e40f2f153460" providerId="AD" clId="Web-{D2E444FC-475D-FC57-7142-8E27B036BEDE}" dt="2021-11-08T16:32:53.106" v="289" actId="1076"/>
+        <pc:sldMkLst>
+          <pc:docMk/>
+          <pc:sldMk cId="4185904270" sldId="260"/>
+        </pc:sldMkLst>
+        <pc:spChg chg="mod">
+          <ac:chgData name="Eickhoff, Linus (DualStudy)" userId="S::linus.eickhoff@hpe.com::232a3455-1c7d-46de-a1c5-e40f2f153460" providerId="AD" clId="Web-{D2E444FC-475D-FC57-7142-8E27B036BEDE}" dt="2021-11-08T16:29:35.664" v="246" actId="20577"/>
+          <ac:spMkLst>
+            <pc:docMk/>
+            <pc:sldMk cId="4185904270" sldId="260"/>
+            <ac:spMk id="2" creationId="{8330E2B2-7FB0-4E49-9636-60FEA622466D}"/>
+          </ac:spMkLst>
+        </pc:spChg>
+        <pc:spChg chg="mod">
+          <ac:chgData name="Eickhoff, Linus (DualStudy)" userId="S::linus.eickhoff@hpe.com::232a3455-1c7d-46de-a1c5-e40f2f153460" providerId="AD" clId="Web-{D2E444FC-475D-FC57-7142-8E27B036BEDE}" dt="2021-11-08T16:30:34.181" v="275" actId="20577"/>
+          <ac:spMkLst>
+            <pc:docMk/>
+            <pc:sldMk cId="4185904270" sldId="260"/>
+            <ac:spMk id="3" creationId="{8305FF91-C335-4431-952F-53600B575D97}"/>
+          </ac:spMkLst>
+        </pc:spChg>
+        <pc:spChg chg="add del">
+          <ac:chgData name="Eickhoff, Linus (DualStudy)" userId="S::linus.eickhoff@hpe.com::232a3455-1c7d-46de-a1c5-e40f2f153460" providerId="AD" clId="Web-{D2E444FC-475D-FC57-7142-8E27B036BEDE}" dt="2021-11-08T16:27:35.583" v="229"/>
+          <ac:spMkLst>
+            <pc:docMk/>
+            <pc:sldMk cId="4185904270" sldId="260"/>
+            <ac:spMk id="4" creationId="{8D888F48-F96C-4D3B-A144-544C25C051A4}"/>
+          </ac:spMkLst>
+        </pc:spChg>
+        <pc:picChg chg="add del mod modCrop">
+          <ac:chgData name="Eickhoff, Linus (DualStudy)" userId="S::linus.eickhoff@hpe.com::232a3455-1c7d-46de-a1c5-e40f2f153460" providerId="AD" clId="Web-{D2E444FC-475D-FC57-7142-8E27B036BEDE}" dt="2021-11-08T16:32:41.684" v="284"/>
+          <ac:picMkLst>
+            <pc:docMk/>
+            <pc:sldMk cId="4185904270" sldId="260"/>
+            <ac:picMk id="5" creationId="{13914E7D-4BCA-4A4F-9BFC-0419C07BB2DE}"/>
+          </ac:picMkLst>
+        </pc:picChg>
+        <pc:picChg chg="add mod">
+          <ac:chgData name="Eickhoff, Linus (DualStudy)" userId="S::linus.eickhoff@hpe.com::232a3455-1c7d-46de-a1c5-e40f2f153460" providerId="AD" clId="Web-{D2E444FC-475D-FC57-7142-8E27B036BEDE}" dt="2021-11-08T16:32:53.106" v="289" actId="1076"/>
+          <ac:picMkLst>
+            <pc:docMk/>
+            <pc:sldMk cId="4185904270" sldId="260"/>
+            <ac:picMk id="6" creationId="{59E6397C-AAB6-4730-A3D5-F115574F4BA4}"/>
+          </ac:picMkLst>
+        </pc:picChg>
+      </pc:sldChg>
+      <pc:sldChg chg="modSp new">
+        <pc:chgData name="Eickhoff, Linus (DualStudy)" userId="S::linus.eickhoff@hpe.com::232a3455-1c7d-46de-a1c5-e40f2f153460" providerId="AD" clId="Web-{D2E444FC-475D-FC57-7142-8E27B036BEDE}" dt="2021-11-08T16:38:41.020" v="487" actId="20577"/>
+        <pc:sldMkLst>
+          <pc:docMk/>
+          <pc:sldMk cId="2697997964" sldId="261"/>
+        </pc:sldMkLst>
+        <pc:spChg chg="mod">
+          <ac:chgData name="Eickhoff, Linus (DualStudy)" userId="S::linus.eickhoff@hpe.com::232a3455-1c7d-46de-a1c5-e40f2f153460" providerId="AD" clId="Web-{D2E444FC-475D-FC57-7142-8E27B036BEDE}" dt="2021-11-08T16:38:41.020" v="487" actId="20577"/>
+          <ac:spMkLst>
+            <pc:docMk/>
+            <pc:sldMk cId="2697997964" sldId="261"/>
+            <ac:spMk id="2" creationId="{EC040A4B-481C-4006-B0B0-06C0D30048E8}"/>
+          </ac:spMkLst>
+        </pc:spChg>
+        <pc:spChg chg="mod">
+          <ac:chgData name="Eickhoff, Linus (DualStudy)" userId="S::linus.eickhoff@hpe.com::232a3455-1c7d-46de-a1c5-e40f2f153460" providerId="AD" clId="Web-{D2E444FC-475D-FC57-7142-8E27B036BEDE}" dt="2021-11-08T16:38:37.723" v="480" actId="20577"/>
+          <ac:spMkLst>
+            <pc:docMk/>
+            <pc:sldMk cId="2697997964" sldId="261"/>
+            <ac:spMk id="3" creationId="{16263A58-76A3-427E-A3AA-FCDD272AAA36}"/>
+          </ac:spMkLst>
+        </pc:spChg>
+      </pc:sldChg>
+      <pc:sldChg chg="modSp new">
+        <pc:chgData name="Eickhoff, Linus (DualStudy)" userId="S::linus.eickhoff@hpe.com::232a3455-1c7d-46de-a1c5-e40f2f153460" providerId="AD" clId="Web-{D2E444FC-475D-FC57-7142-8E27B036BEDE}" dt="2021-11-08T16:38:56.927" v="494" actId="20577"/>
+        <pc:sldMkLst>
+          <pc:docMk/>
+          <pc:sldMk cId="2011952974" sldId="262"/>
+        </pc:sldMkLst>
+        <pc:spChg chg="mod">
+          <ac:chgData name="Eickhoff, Linus (DualStudy)" userId="S::linus.eickhoff@hpe.com::232a3455-1c7d-46de-a1c5-e40f2f153460" providerId="AD" clId="Web-{D2E444FC-475D-FC57-7142-8E27B036BEDE}" dt="2021-11-08T16:38:56.927" v="494" actId="20577"/>
+          <ac:spMkLst>
+            <pc:docMk/>
+            <pc:sldMk cId="2011952974" sldId="262"/>
+            <ac:spMk id="2" creationId="{8186614B-3BC2-45A5-B9C0-3372ADDB2D51}"/>
+          </ac:spMkLst>
+        </pc:spChg>
+      </pc:sldChg>
+    </pc:docChg>
+  </pc:docChgLst>
   <pc:docChgLst>
     <pc:chgData name="Eickhoff, Linus (DualStudy)" userId="S::linus.eickhoff@hpe.com::232a3455-1c7d-46de-a1c5-e40f2f153460" providerId="AD" clId="Web-{B9287407-D5CD-6F65-DA22-E619C76AF3DC}"/>
     <pc:docChg chg="modSld">
@@ -252,43 +926,6 @@
             <ac:spMk id="6" creationId="{121B3242-32FD-4B6D-832B-A3E90D58895E}"/>
           </ac:spMkLst>
         </pc:spChg>
-      </pc:sldChg>
-    </pc:docChg>
-  </pc:docChgLst>
-  <pc:docChgLst>
-    <pc:chgData name="Eickhoff, Linus (DualStudy)" userId="232a3455-1c7d-46de-a1c5-e40f2f153460" providerId="ADAL" clId="{43900656-72C3-49F3-8B09-F27B45177A16}"/>
-    <pc:docChg chg="modSld sldOrd">
-      <pc:chgData name="Eickhoff, Linus (DualStudy)" userId="232a3455-1c7d-46de-a1c5-e40f2f153460" providerId="ADAL" clId="{43900656-72C3-49F3-8B09-F27B45177A16}" dt="2021-11-11T15:26:30.046" v="9"/>
-      <pc:docMkLst>
-        <pc:docMk/>
-      </pc:docMkLst>
-      <pc:sldChg chg="ord">
-        <pc:chgData name="Eickhoff, Linus (DualStudy)" userId="232a3455-1c7d-46de-a1c5-e40f2f153460" providerId="ADAL" clId="{43900656-72C3-49F3-8B09-F27B45177A16}" dt="2021-11-11T15:25:50.974" v="3"/>
-        <pc:sldMkLst>
-          <pc:docMk/>
-          <pc:sldMk cId="3690638817" sldId="259"/>
-        </pc:sldMkLst>
-      </pc:sldChg>
-      <pc:sldChg chg="ord">
-        <pc:chgData name="Eickhoff, Linus (DualStudy)" userId="232a3455-1c7d-46de-a1c5-e40f2f153460" providerId="ADAL" clId="{43900656-72C3-49F3-8B09-F27B45177A16}" dt="2021-11-11T15:26:26.320" v="7"/>
-        <pc:sldMkLst>
-          <pc:docMk/>
-          <pc:sldMk cId="4185904270" sldId="260"/>
-        </pc:sldMkLst>
-      </pc:sldChg>
-      <pc:sldChg chg="ord">
-        <pc:chgData name="Eickhoff, Linus (DualStudy)" userId="232a3455-1c7d-46de-a1c5-e40f2f153460" providerId="ADAL" clId="{43900656-72C3-49F3-8B09-F27B45177A16}" dt="2021-11-11T15:26:21.937" v="5"/>
-        <pc:sldMkLst>
-          <pc:docMk/>
-          <pc:sldMk cId="2011952974" sldId="262"/>
-        </pc:sldMkLst>
-      </pc:sldChg>
-      <pc:sldChg chg="ord">
-        <pc:chgData name="Eickhoff, Linus (DualStudy)" userId="232a3455-1c7d-46de-a1c5-e40f2f153460" providerId="ADAL" clId="{43900656-72C3-49F3-8B09-F27B45177A16}" dt="2021-11-11T15:26:30.046" v="9"/>
-        <pc:sldMkLst>
-          <pc:docMk/>
-          <pc:sldMk cId="1483544498" sldId="278"/>
-        </pc:sldMkLst>
       </pc:sldChg>
     </pc:docChg>
   </pc:docChgLst>
@@ -464,6 +1101,60 @@
     </pc:docChg>
   </pc:docChgLst>
   <pc:docChgLst>
+    <pc:chgData name="Gastbenutzer" userId="S::urn:spo:anon#eb4d140d883721b025dece736edc3e75ccac253066bc6bc9b01c51aa8c6a0091::" providerId="AD" clId="Web-{365A8A62-3671-3F88-1A8A-02D6B5128CB4}"/>
+    <pc:docChg chg="modSld sldOrd">
+      <pc:chgData name="Gastbenutzer" userId="S::urn:spo:anon#eb4d140d883721b025dece736edc3e75ccac253066bc6bc9b01c51aa8c6a0091::" providerId="AD" clId="Web-{365A8A62-3671-3F88-1A8A-02D6B5128CB4}" dt="2021-11-11T15:51:57.459" v="392"/>
+      <pc:docMkLst>
+        <pc:docMk/>
+      </pc:docMkLst>
+      <pc:sldChg chg="modSp">
+        <pc:chgData name="Gastbenutzer" userId="S::urn:spo:anon#eb4d140d883721b025dece736edc3e75ccac253066bc6bc9b01c51aa8c6a0091::" providerId="AD" clId="Web-{365A8A62-3671-3F88-1A8A-02D6B5128CB4}" dt="2021-11-11T15:22:33.941" v="106" actId="20577"/>
+        <pc:sldMkLst>
+          <pc:docMk/>
+          <pc:sldMk cId="3705192356" sldId="258"/>
+        </pc:sldMkLst>
+        <pc:spChg chg="mod">
+          <ac:chgData name="Gastbenutzer" userId="S::urn:spo:anon#eb4d140d883721b025dece736edc3e75ccac253066bc6bc9b01c51aa8c6a0091::" providerId="AD" clId="Web-{365A8A62-3671-3F88-1A8A-02D6B5128CB4}" dt="2021-11-11T15:22:33.941" v="106" actId="20577"/>
+          <ac:spMkLst>
+            <pc:docMk/>
+            <pc:sldMk cId="3705192356" sldId="258"/>
+            <ac:spMk id="3" creationId="{377E6AA3-A089-42CC-9BB5-BABF814B1706}"/>
+          </ac:spMkLst>
+        </pc:spChg>
+      </pc:sldChg>
+      <pc:sldChg chg="modSp ord">
+        <pc:chgData name="Gastbenutzer" userId="S::urn:spo:anon#eb4d140d883721b025dece736edc3e75ccac253066bc6bc9b01c51aa8c6a0091::" providerId="AD" clId="Web-{365A8A62-3671-3F88-1A8A-02D6B5128CB4}" dt="2021-11-11T15:25:40.545" v="107"/>
+        <pc:sldMkLst>
+          <pc:docMk/>
+          <pc:sldMk cId="3690638817" sldId="259"/>
+        </pc:sldMkLst>
+        <pc:spChg chg="mod">
+          <ac:chgData name="Gastbenutzer" userId="S::urn:spo:anon#eb4d140d883721b025dece736edc3e75ccac253066bc6bc9b01c51aa8c6a0091::" providerId="AD" clId="Web-{365A8A62-3671-3F88-1A8A-02D6B5128CB4}" dt="2021-11-11T15:09:56.149" v="45" actId="20577"/>
+          <ac:spMkLst>
+            <pc:docMk/>
+            <pc:sldMk cId="3690638817" sldId="259"/>
+            <ac:spMk id="3" creationId="{36C27735-401A-4AC4-9655-1A22C35B7E80}"/>
+          </ac:spMkLst>
+        </pc:spChg>
+      </pc:sldChg>
+      <pc:sldChg chg="modSp modNotes">
+        <pc:chgData name="Gastbenutzer" userId="S::urn:spo:anon#eb4d140d883721b025dece736edc3e75ccac253066bc6bc9b01c51aa8c6a0091::" providerId="AD" clId="Web-{365A8A62-3671-3F88-1A8A-02D6B5128CB4}" dt="2021-11-11T15:51:57.459" v="392"/>
+        <pc:sldMkLst>
+          <pc:docMk/>
+          <pc:sldMk cId="4028852578" sldId="265"/>
+        </pc:sldMkLst>
+        <pc:spChg chg="mod">
+          <ac:chgData name="Gastbenutzer" userId="S::urn:spo:anon#eb4d140d883721b025dece736edc3e75ccac253066bc6bc9b01c51aa8c6a0091::" providerId="AD" clId="Web-{365A8A62-3671-3F88-1A8A-02D6B5128CB4}" dt="2021-11-11T15:21:45.501" v="96" actId="20577"/>
+          <ac:spMkLst>
+            <pc:docMk/>
+            <pc:sldMk cId="4028852578" sldId="265"/>
+            <ac:spMk id="3" creationId="{BDB36104-52CD-4414-8790-4F9B42EC815F}"/>
+          </ac:spMkLst>
+        </pc:spChg>
+      </pc:sldChg>
+    </pc:docChg>
+  </pc:docChgLst>
+  <pc:docChgLst>
     <pc:chgData name="Gastbenutzer" userId="S::urn:spo:anon#eb4d140d883721b025dece736edc3e75ccac253066bc6bc9b01c51aa8c6a0091::" providerId="AD" clId="Web-{C65878E4-7F90-F0B9-68D8-6475F4DC1A4A}"/>
     <pc:docChg chg="addSld modSld">
       <pc:chgData name="Gastbenutzer" userId="S::urn:spo:anon#eb4d140d883721b025dece736edc3e75ccac253066bc6bc9b01c51aa8c6a0091::" providerId="AD" clId="Web-{C65878E4-7F90-F0B9-68D8-6475F4DC1A4A}" dt="2021-11-11T15:56:44.883" v="27" actId="20577"/>
@@ -541,414 +1232,56 @@
     </pc:docChg>
   </pc:docChgLst>
   <pc:docChgLst>
-    <pc:chgData name="Gastbenutzer" userId="S::urn:spo:anon#eb4d140d883721b025dece736edc3e75ccac253066bc6bc9b01c51aa8c6a0091::" providerId="AD" clId="Web-{77055F2F-461B-DA3D-143C-0AC009B9E7E7}"/>
+    <pc:chgData name="Guest User" userId="S::urn:spo:anon#eb4d140d883721b025dece736edc3e75ccac253066bc6bc9b01c51aa8c6a0091::" providerId="AD" clId="Web-{2E68C105-91C2-E7E2-1F91-2942AD1BE8F0}"/>
     <pc:docChg chg="addSld modSld">
-      <pc:chgData name="Gastbenutzer" userId="S::urn:spo:anon#eb4d140d883721b025dece736edc3e75ccac253066bc6bc9b01c51aa8c6a0091::" providerId="AD" clId="Web-{77055F2F-461B-DA3D-143C-0AC009B9E7E7}" dt="2021-11-10T09:35:12.876" v="702" actId="20577"/>
+      <pc:chgData name="Guest User" userId="S::urn:spo:anon#eb4d140d883721b025dece736edc3e75ccac253066bc6bc9b01c51aa8c6a0091::" providerId="AD" clId="Web-{2E68C105-91C2-E7E2-1F91-2942AD1BE8F0}" dt="2021-11-08T15:10:00.021" v="212" actId="20577"/>
       <pc:docMkLst>
         <pc:docMk/>
       </pc:docMkLst>
       <pc:sldChg chg="modSp">
-        <pc:chgData name="Gastbenutzer" userId="S::urn:spo:anon#eb4d140d883721b025dece736edc3e75ccac253066bc6bc9b01c51aa8c6a0091::" providerId="AD" clId="Web-{77055F2F-461B-DA3D-143C-0AC009B9E7E7}" dt="2021-11-10T09:35:12.876" v="702" actId="20577"/>
+        <pc:chgData name="Guest User" userId="S::urn:spo:anon#eb4d140d883721b025dece736edc3e75ccac253066bc6bc9b01c51aa8c6a0091::" providerId="AD" clId="Web-{2E68C105-91C2-E7E2-1F91-2942AD1BE8F0}" dt="2021-11-08T14:37:58.606" v="13" actId="20577"/>
         <pc:sldMkLst>
           <pc:docMk/>
-          <pc:sldMk cId="3690638817" sldId="259"/>
+          <pc:sldMk cId="2559890402" sldId="257"/>
         </pc:sldMkLst>
         <pc:spChg chg="mod">
-          <ac:chgData name="Gastbenutzer" userId="S::urn:spo:anon#eb4d140d883721b025dece736edc3e75ccac253066bc6bc9b01c51aa8c6a0091::" providerId="AD" clId="Web-{77055F2F-461B-DA3D-143C-0AC009B9E7E7}" dt="2021-11-10T09:35:12.876" v="702" actId="20577"/>
+          <ac:chgData name="Guest User" userId="S::urn:spo:anon#eb4d140d883721b025dece736edc3e75ccac253066bc6bc9b01c51aa8c6a0091::" providerId="AD" clId="Web-{2E68C105-91C2-E7E2-1F91-2942AD1BE8F0}" dt="2021-11-08T14:37:58.606" v="13" actId="20577"/>
           <ac:spMkLst>
             <pc:docMk/>
-            <pc:sldMk cId="3690638817" sldId="259"/>
-            <ac:spMk id="3" creationId="{36C27735-401A-4AC4-9655-1A22C35B7E80}"/>
+            <pc:sldMk cId="2559890402" sldId="257"/>
+            <ac:spMk id="3" creationId="{7C7E7917-C1BB-4F2A-A702-DB033A9D50AA}"/>
           </ac:spMkLst>
         </pc:spChg>
       </pc:sldChg>
-      <pc:sldChg chg="delSp modSp new mod modClrScheme chgLayout">
-        <pc:chgData name="Gastbenutzer" userId="S::urn:spo:anon#eb4d140d883721b025dece736edc3e75ccac253066bc6bc9b01c51aa8c6a0091::" providerId="AD" clId="Web-{77055F2F-461B-DA3D-143C-0AC009B9E7E7}" dt="2021-11-10T09:01:28.250" v="8" actId="20577"/>
-        <pc:sldMkLst>
-          <pc:docMk/>
-          <pc:sldMk cId="2703418953" sldId="273"/>
-        </pc:sldMkLst>
-        <pc:spChg chg="mod ord">
-          <ac:chgData name="Gastbenutzer" userId="S::urn:spo:anon#eb4d140d883721b025dece736edc3e75ccac253066bc6bc9b01c51aa8c6a0091::" providerId="AD" clId="Web-{77055F2F-461B-DA3D-143C-0AC009B9E7E7}" dt="2021-11-10T09:01:28.250" v="8" actId="20577"/>
-          <ac:spMkLst>
-            <pc:docMk/>
-            <pc:sldMk cId="2703418953" sldId="273"/>
-            <ac:spMk id="2" creationId="{C36E34F6-CD8C-4B38-AA5F-85E84F86286F}"/>
-          </ac:spMkLst>
-        </pc:spChg>
-        <pc:spChg chg="mod ord">
-          <ac:chgData name="Gastbenutzer" userId="S::urn:spo:anon#eb4d140d883721b025dece736edc3e75ccac253066bc6bc9b01c51aa8c6a0091::" providerId="AD" clId="Web-{77055F2F-461B-DA3D-143C-0AC009B9E7E7}" dt="2021-11-10T09:01:19.109" v="1"/>
-          <ac:spMkLst>
-            <pc:docMk/>
-            <pc:sldMk cId="2703418953" sldId="273"/>
-            <ac:spMk id="3" creationId="{74B6677F-3EA1-49A6-BDC0-75DA8E8E8527}"/>
-          </ac:spMkLst>
-        </pc:spChg>
-        <pc:spChg chg="del">
-          <ac:chgData name="Gastbenutzer" userId="S::urn:spo:anon#eb4d140d883721b025dece736edc3e75ccac253066bc6bc9b01c51aa8c6a0091::" providerId="AD" clId="Web-{77055F2F-461B-DA3D-143C-0AC009B9E7E7}" dt="2021-11-10T09:01:19.109" v="1"/>
-          <ac:spMkLst>
-            <pc:docMk/>
-            <pc:sldMk cId="2703418953" sldId="273"/>
-            <ac:spMk id="4" creationId="{83347EC7-B572-411F-ADA8-76EFBDA0E0CA}"/>
-          </ac:spMkLst>
-        </pc:spChg>
-      </pc:sldChg>
-      <pc:sldChg chg="modSp new mod modClrScheme chgLayout">
-        <pc:chgData name="Gastbenutzer" userId="S::urn:spo:anon#eb4d140d883721b025dece736edc3e75ccac253066bc6bc9b01c51aa8c6a0091::" providerId="AD" clId="Web-{77055F2F-461B-DA3D-143C-0AC009B9E7E7}" dt="2021-11-10T09:32:23.201" v="645" actId="20577"/>
-        <pc:sldMkLst>
-          <pc:docMk/>
-          <pc:sldMk cId="52035329" sldId="274"/>
-        </pc:sldMkLst>
-        <pc:spChg chg="mod ord">
-          <ac:chgData name="Gastbenutzer" userId="S::urn:spo:anon#eb4d140d883721b025dece736edc3e75ccac253066bc6bc9b01c51aa8c6a0091::" providerId="AD" clId="Web-{77055F2F-461B-DA3D-143C-0AC009B9E7E7}" dt="2021-11-10T09:03:47.455" v="19" actId="20577"/>
-          <ac:spMkLst>
-            <pc:docMk/>
-            <pc:sldMk cId="52035329" sldId="274"/>
-            <ac:spMk id="2" creationId="{5A94F59C-CF7A-4E20-866F-E7F0ADBA823D}"/>
-          </ac:spMkLst>
-        </pc:spChg>
-        <pc:spChg chg="mod ord">
-          <ac:chgData name="Gastbenutzer" userId="S::urn:spo:anon#eb4d140d883721b025dece736edc3e75ccac253066bc6bc9b01c51aa8c6a0091::" providerId="AD" clId="Web-{77055F2F-461B-DA3D-143C-0AC009B9E7E7}" dt="2021-11-10T09:32:23.201" v="645" actId="20577"/>
-          <ac:spMkLst>
-            <pc:docMk/>
-            <pc:sldMk cId="52035329" sldId="274"/>
-            <ac:spMk id="3" creationId="{BEF70E7D-9BC2-4A30-8FE8-D3B10484DD0E}"/>
-          </ac:spMkLst>
-        </pc:spChg>
-      </pc:sldChg>
-      <pc:sldChg chg="modSp new">
-        <pc:chgData name="Gastbenutzer" userId="S::urn:spo:anon#eb4d140d883721b025dece736edc3e75ccac253066bc6bc9b01c51aa8c6a0091::" providerId="AD" clId="Web-{77055F2F-461B-DA3D-143C-0AC009B9E7E7}" dt="2021-11-10T09:32:32.530" v="652" actId="20577"/>
-        <pc:sldMkLst>
-          <pc:docMk/>
-          <pc:sldMk cId="1163434423" sldId="275"/>
-        </pc:sldMkLst>
-        <pc:spChg chg="mod">
-          <ac:chgData name="Gastbenutzer" userId="S::urn:spo:anon#eb4d140d883721b025dece736edc3e75ccac253066bc6bc9b01c51aa8c6a0091::" providerId="AD" clId="Web-{77055F2F-461B-DA3D-143C-0AC009B9E7E7}" dt="2021-11-10T09:06:41.848" v="90" actId="20577"/>
-          <ac:spMkLst>
-            <pc:docMk/>
-            <pc:sldMk cId="1163434423" sldId="275"/>
-            <ac:spMk id="2" creationId="{6C645F43-2018-4264-B08C-B566A6CAE0B3}"/>
-          </ac:spMkLst>
-        </pc:spChg>
-        <pc:spChg chg="mod">
-          <ac:chgData name="Gastbenutzer" userId="S::urn:spo:anon#eb4d140d883721b025dece736edc3e75ccac253066bc6bc9b01c51aa8c6a0091::" providerId="AD" clId="Web-{77055F2F-461B-DA3D-143C-0AC009B9E7E7}" dt="2021-11-10T09:32:32.530" v="652" actId="20577"/>
-          <ac:spMkLst>
-            <pc:docMk/>
-            <pc:sldMk cId="1163434423" sldId="275"/>
-            <ac:spMk id="3" creationId="{467E6493-C229-4976-ABA9-93403F68EB7C}"/>
-          </ac:spMkLst>
-        </pc:spChg>
-      </pc:sldChg>
-      <pc:sldChg chg="modSp new">
-        <pc:chgData name="Gastbenutzer" userId="S::urn:spo:anon#eb4d140d883721b025dece736edc3e75ccac253066bc6bc9b01c51aa8c6a0091::" providerId="AD" clId="Web-{77055F2F-461B-DA3D-143C-0AC009B9E7E7}" dt="2021-11-10T09:32:40.202" v="660" actId="20577"/>
-        <pc:sldMkLst>
-          <pc:docMk/>
-          <pc:sldMk cId="3295729145" sldId="276"/>
-        </pc:sldMkLst>
-        <pc:spChg chg="mod">
-          <ac:chgData name="Gastbenutzer" userId="S::urn:spo:anon#eb4d140d883721b025dece736edc3e75ccac253066bc6bc9b01c51aa8c6a0091::" providerId="AD" clId="Web-{77055F2F-461B-DA3D-143C-0AC009B9E7E7}" dt="2021-11-10T09:07:40.443" v="103" actId="20577"/>
-          <ac:spMkLst>
-            <pc:docMk/>
-            <pc:sldMk cId="3295729145" sldId="276"/>
-            <ac:spMk id="2" creationId="{CE0AA137-6C3E-4F56-8DA5-CA9223B8B10A}"/>
-          </ac:spMkLst>
-        </pc:spChg>
-        <pc:spChg chg="mod">
-          <ac:chgData name="Gastbenutzer" userId="S::urn:spo:anon#eb4d140d883721b025dece736edc3e75ccac253066bc6bc9b01c51aa8c6a0091::" providerId="AD" clId="Web-{77055F2F-461B-DA3D-143C-0AC009B9E7E7}" dt="2021-11-10T09:32:40.202" v="660" actId="20577"/>
-          <ac:spMkLst>
-            <pc:docMk/>
-            <pc:sldMk cId="3295729145" sldId="276"/>
-            <ac:spMk id="3" creationId="{D6B7FA56-6BF4-4A3A-8381-408EF6539B9C}"/>
-          </ac:spMkLst>
-        </pc:spChg>
-      </pc:sldChg>
-      <pc:sldChg chg="modSp new">
-        <pc:chgData name="Gastbenutzer" userId="S::urn:spo:anon#eb4d140d883721b025dece736edc3e75ccac253066bc6bc9b01c51aa8c6a0091::" providerId="AD" clId="Web-{77055F2F-461B-DA3D-143C-0AC009B9E7E7}" dt="2021-11-10T09:33:18.280" v="670" actId="20577"/>
-        <pc:sldMkLst>
-          <pc:docMk/>
-          <pc:sldMk cId="1012849892" sldId="277"/>
-        </pc:sldMkLst>
-        <pc:spChg chg="mod">
-          <ac:chgData name="Gastbenutzer" userId="S::urn:spo:anon#eb4d140d883721b025dece736edc3e75ccac253066bc6bc9b01c51aa8c6a0091::" providerId="AD" clId="Web-{77055F2F-461B-DA3D-143C-0AC009B9E7E7}" dt="2021-11-10T09:08:27.709" v="123" actId="20577"/>
-          <ac:spMkLst>
-            <pc:docMk/>
-            <pc:sldMk cId="1012849892" sldId="277"/>
-            <ac:spMk id="2" creationId="{D09F1CC6-EB23-479E-B025-507FA78B3BFE}"/>
-          </ac:spMkLst>
-        </pc:spChg>
-        <pc:spChg chg="mod">
-          <ac:chgData name="Gastbenutzer" userId="S::urn:spo:anon#eb4d140d883721b025dece736edc3e75ccac253066bc6bc9b01c51aa8c6a0091::" providerId="AD" clId="Web-{77055F2F-461B-DA3D-143C-0AC009B9E7E7}" dt="2021-11-10T09:33:18.280" v="670" actId="20577"/>
-          <ac:spMkLst>
-            <pc:docMk/>
-            <pc:sldMk cId="1012849892" sldId="277"/>
-            <ac:spMk id="3" creationId="{F329EDD1-BB2D-4919-A5C8-F7215C27DBB9}"/>
-          </ac:spMkLst>
-        </pc:spChg>
-      </pc:sldChg>
-    </pc:docChg>
-  </pc:docChgLst>
-  <pc:docChgLst>
-    <pc:chgData name="Gastbenutzer" userId="S::urn:spo:anon#eb4d140d883721b025dece736edc3e75ccac253066bc6bc9b01c51aa8c6a0091::" providerId="AD" clId="Web-{5ADC4E3B-4F46-4329-BB2B-249927BEFB97}"/>
-    <pc:docChg chg="modSld">
-      <pc:chgData name="Gastbenutzer" userId="S::urn:spo:anon#eb4d140d883721b025dece736edc3e75ccac253066bc6bc9b01c51aa8c6a0091::" providerId="AD" clId="Web-{5ADC4E3B-4F46-4329-BB2B-249927BEFB97}" dt="2021-11-08T16:26:13.668" v="3"/>
-      <pc:docMkLst>
-        <pc:docMk/>
-      </pc:docMkLst>
-      <pc:sldChg chg="addSp modSp">
-        <pc:chgData name="Gastbenutzer" userId="S::urn:spo:anon#eb4d140d883721b025dece736edc3e75ccac253066bc6bc9b01c51aa8c6a0091::" providerId="AD" clId="Web-{5ADC4E3B-4F46-4329-BB2B-249927BEFB97}" dt="2021-11-08T16:26:13.668" v="3"/>
+      <pc:sldChg chg="addSp delSp modSp">
+        <pc:chgData name="Guest User" userId="S::urn:spo:anon#eb4d140d883721b025dece736edc3e75ccac253066bc6bc9b01c51aa8c6a0091::" providerId="AD" clId="Web-{2E68C105-91C2-E7E2-1F91-2942AD1BE8F0}" dt="2021-11-08T15:10:00.021" v="212" actId="20577"/>
         <pc:sldMkLst>
           <pc:docMk/>
           <pc:sldMk cId="3705192356" sldId="258"/>
         </pc:sldMkLst>
         <pc:spChg chg="mod">
-          <ac:chgData name="Gastbenutzer" userId="S::urn:spo:anon#eb4d140d883721b025dece736edc3e75ccac253066bc6bc9b01c51aa8c6a0091::" providerId="AD" clId="Web-{5ADC4E3B-4F46-4329-BB2B-249927BEFB97}" dt="2021-11-08T15:10:04.145" v="2" actId="20577"/>
+          <ac:chgData name="Guest User" userId="S::urn:spo:anon#eb4d140d883721b025dece736edc3e75ccac253066bc6bc9b01c51aa8c6a0091::" providerId="AD" clId="Web-{2E68C105-91C2-E7E2-1F91-2942AD1BE8F0}" dt="2021-11-08T15:10:00.021" v="212" actId="20577"/>
           <ac:spMkLst>
             <pc:docMk/>
             <pc:sldMk cId="3705192356" sldId="258"/>
             <ac:spMk id="3" creationId="{377E6AA3-A089-42CC-9BB5-BABF814B1706}"/>
           </ac:spMkLst>
         </pc:spChg>
-        <pc:spChg chg="add">
-          <ac:chgData name="Gastbenutzer" userId="S::urn:spo:anon#eb4d140d883721b025dece736edc3e75ccac253066bc6bc9b01c51aa8c6a0091::" providerId="AD" clId="Web-{5ADC4E3B-4F46-4329-BB2B-249927BEFB97}" dt="2021-11-08T16:26:13.668" v="3"/>
+        <pc:spChg chg="add del">
+          <ac:chgData name="Guest User" userId="S::urn:spo:anon#eb4d140d883721b025dece736edc3e75ccac253066bc6bc9b01c51aa8c6a0091::" providerId="AD" clId="Web-{2E68C105-91C2-E7E2-1F91-2942AD1BE8F0}" dt="2021-11-08T15:03:26.103" v="56"/>
           <ac:spMkLst>
             <pc:docMk/>
             <pc:sldMk cId="3705192356" sldId="258"/>
-            <ac:spMk id="4" creationId="{C56491FC-11A9-43B0-B6FC-42AAB9907637}"/>
+            <ac:spMk id="4" creationId="{88C4F1E0-64DD-420C-B926-4402B849064A}"/>
           </ac:spMkLst>
         </pc:spChg>
       </pc:sldChg>
-    </pc:docChg>
-  </pc:docChgLst>
-  <pc:docChgLst>
-    <pc:chgData name="Gastbenutzer" userId="S::urn:spo:anon#eb4d140d883721b025dece736edc3e75ccac253066bc6bc9b01c51aa8c6a0091::" providerId="AD" clId="Web-{207D0B9F-80C7-0AE0-A777-08984F622E0C}"/>
-    <pc:docChg chg="addSld modSld">
-      <pc:chgData name="Gastbenutzer" userId="S::urn:spo:anon#eb4d140d883721b025dece736edc3e75ccac253066bc6bc9b01c51aa8c6a0091::" providerId="AD" clId="Web-{207D0B9F-80C7-0AE0-A777-08984F622E0C}" dt="2021-11-10T18:56:49.675" v="395" actId="20577"/>
-      <pc:docMkLst>
-        <pc:docMk/>
-      </pc:docMkLst>
-      <pc:sldChg chg="modSp">
-        <pc:chgData name="Gastbenutzer" userId="S::urn:spo:anon#eb4d140d883721b025dece736edc3e75ccac253066bc6bc9b01c51aa8c6a0091::" providerId="AD" clId="Web-{207D0B9F-80C7-0AE0-A777-08984F622E0C}" dt="2021-11-10T18:56:19.940" v="383" actId="20577"/>
-        <pc:sldMkLst>
-          <pc:docMk/>
-          <pc:sldMk cId="1902015686" sldId="263"/>
-        </pc:sldMkLst>
-        <pc:spChg chg="mod">
-          <ac:chgData name="Gastbenutzer" userId="S::urn:spo:anon#eb4d140d883721b025dece736edc3e75ccac253066bc6bc9b01c51aa8c6a0091::" providerId="AD" clId="Web-{207D0B9F-80C7-0AE0-A777-08984F622E0C}" dt="2021-11-10T18:56:19.940" v="383" actId="20577"/>
-          <ac:spMkLst>
-            <pc:docMk/>
-            <pc:sldMk cId="1902015686" sldId="263"/>
-            <ac:spMk id="3" creationId="{F8183CDE-6842-440C-945C-5AB441870CE3}"/>
-          </ac:spMkLst>
-        </pc:spChg>
-      </pc:sldChg>
-      <pc:sldChg chg="modSp">
-        <pc:chgData name="Gastbenutzer" userId="S::urn:spo:anon#eb4d140d883721b025dece736edc3e75ccac253066bc6bc9b01c51aa8c6a0091::" providerId="AD" clId="Web-{207D0B9F-80C7-0AE0-A777-08984F622E0C}" dt="2021-11-10T18:56:25.362" v="384" actId="20577"/>
-        <pc:sldMkLst>
-          <pc:docMk/>
-          <pc:sldMk cId="1457887039" sldId="264"/>
-        </pc:sldMkLst>
-        <pc:spChg chg="mod">
-          <ac:chgData name="Gastbenutzer" userId="S::urn:spo:anon#eb4d140d883721b025dece736edc3e75ccac253066bc6bc9b01c51aa8c6a0091::" providerId="AD" clId="Web-{207D0B9F-80C7-0AE0-A777-08984F622E0C}" dt="2021-11-10T18:56:25.362" v="384" actId="20577"/>
-          <ac:spMkLst>
-            <pc:docMk/>
-            <pc:sldMk cId="1457887039" sldId="264"/>
-            <ac:spMk id="3" creationId="{F8183CDE-6842-440C-945C-5AB441870CE3}"/>
-          </ac:spMkLst>
-        </pc:spChg>
-      </pc:sldChg>
-      <pc:sldChg chg="modSp">
-        <pc:chgData name="Gastbenutzer" userId="S::urn:spo:anon#eb4d140d883721b025dece736edc3e75ccac253066bc6bc9b01c51aa8c6a0091::" providerId="AD" clId="Web-{207D0B9F-80C7-0AE0-A777-08984F622E0C}" dt="2021-11-10T18:56:35.002" v="386" actId="20577"/>
-        <pc:sldMkLst>
-          <pc:docMk/>
-          <pc:sldMk cId="4028852578" sldId="265"/>
-        </pc:sldMkLst>
-        <pc:spChg chg="mod">
-          <ac:chgData name="Gastbenutzer" userId="S::urn:spo:anon#eb4d140d883721b025dece736edc3e75ccac253066bc6bc9b01c51aa8c6a0091::" providerId="AD" clId="Web-{207D0B9F-80C7-0AE0-A777-08984F622E0C}" dt="2021-11-10T18:52:13.606" v="281" actId="20577"/>
-          <ac:spMkLst>
-            <pc:docMk/>
-            <pc:sldMk cId="4028852578" sldId="265"/>
-            <ac:spMk id="2" creationId="{9C634A38-DA8C-48FE-9F31-72616518A2B2}"/>
-          </ac:spMkLst>
-        </pc:spChg>
-        <pc:spChg chg="mod">
-          <ac:chgData name="Gastbenutzer" userId="S::urn:spo:anon#eb4d140d883721b025dece736edc3e75ccac253066bc6bc9b01c51aa8c6a0091::" providerId="AD" clId="Web-{207D0B9F-80C7-0AE0-A777-08984F622E0C}" dt="2021-11-10T18:56:35.002" v="386" actId="20577"/>
-          <ac:spMkLst>
-            <pc:docMk/>
-            <pc:sldMk cId="4028852578" sldId="265"/>
-            <ac:spMk id="3" creationId="{BDB36104-52CD-4414-8790-4F9B42EC815F}"/>
-          </ac:spMkLst>
-        </pc:spChg>
-      </pc:sldChg>
-      <pc:sldChg chg="modSp new">
-        <pc:chgData name="Gastbenutzer" userId="S::urn:spo:anon#eb4d140d883721b025dece736edc3e75ccac253066bc6bc9b01c51aa8c6a0091::" providerId="AD" clId="Web-{207D0B9F-80C7-0AE0-A777-08984F622E0C}" dt="2021-11-10T18:56:49.675" v="395" actId="20577"/>
-        <pc:sldMkLst>
-          <pc:docMk/>
-          <pc:sldMk cId="337024292" sldId="279"/>
-        </pc:sldMkLst>
-        <pc:spChg chg="mod">
-          <ac:chgData name="Gastbenutzer" userId="S::urn:spo:anon#eb4d140d883721b025dece736edc3e75ccac253066bc6bc9b01c51aa8c6a0091::" providerId="AD" clId="Web-{207D0B9F-80C7-0AE0-A777-08984F622E0C}" dt="2021-11-10T18:56:49.675" v="395" actId="20577"/>
-          <ac:spMkLst>
-            <pc:docMk/>
-            <pc:sldMk cId="337024292" sldId="279"/>
-            <ac:spMk id="2" creationId="{6F1379FD-EBD3-459E-A5BB-05D6E39E2A84}"/>
-          </ac:spMkLst>
-        </pc:spChg>
-      </pc:sldChg>
-    </pc:docChg>
-  </pc:docChgLst>
-  <pc:docChgLst>
-    <pc:chgData name="Eickhoff, Linus (DualStudy)" userId="S::linus.eickhoff@hpe.com::232a3455-1c7d-46de-a1c5-e40f2f153460" providerId="AD" clId="Web-{D2E444FC-475D-FC57-7142-8E27B036BEDE}"/>
-    <pc:docChg chg="addSld modSld">
-      <pc:chgData name="Eickhoff, Linus (DualStudy)" userId="S::linus.eickhoff@hpe.com::232a3455-1c7d-46de-a1c5-e40f2f153460" providerId="AD" clId="Web-{D2E444FC-475D-FC57-7142-8E27B036BEDE}" dt="2021-11-08T16:38:56.927" v="494" actId="20577"/>
-      <pc:docMkLst>
-        <pc:docMk/>
-      </pc:docMkLst>
-      <pc:sldChg chg="addSp delSp">
-        <pc:chgData name="Eickhoff, Linus (DualStudy)" userId="S::linus.eickhoff@hpe.com::232a3455-1c7d-46de-a1c5-e40f2f153460" providerId="AD" clId="Web-{D2E444FC-475D-FC57-7142-8E27B036BEDE}" dt="2021-11-08T16:27:30.896" v="228"/>
-        <pc:sldMkLst>
-          <pc:docMk/>
-          <pc:sldMk cId="3705192356" sldId="258"/>
-        </pc:sldMkLst>
-        <pc:spChg chg="del">
-          <ac:chgData name="Eickhoff, Linus (DualStudy)" userId="S::linus.eickhoff@hpe.com::232a3455-1c7d-46de-a1c5-e40f2f153460" providerId="AD" clId="Web-{D2E444FC-475D-FC57-7142-8E27B036BEDE}" dt="2021-11-08T16:27:30.896" v="228"/>
-          <ac:spMkLst>
-            <pc:docMk/>
-            <pc:sldMk cId="3705192356" sldId="258"/>
-            <ac:spMk id="4" creationId="{C56491FC-11A9-43B0-B6FC-42AAB9907637}"/>
-          </ac:spMkLst>
-        </pc:spChg>
-        <pc:spChg chg="add del">
-          <ac:chgData name="Eickhoff, Linus (DualStudy)" userId="S::linus.eickhoff@hpe.com::232a3455-1c7d-46de-a1c5-e40f2f153460" providerId="AD" clId="Web-{D2E444FC-475D-FC57-7142-8E27B036BEDE}" dt="2021-11-08T16:27:25.458" v="227"/>
-          <ac:spMkLst>
-            <pc:docMk/>
-            <pc:sldMk cId="3705192356" sldId="258"/>
-            <ac:spMk id="5" creationId="{6BE23A92-F0B8-4BDA-822E-6BF7AC014665}"/>
-          </ac:spMkLst>
-        </pc:spChg>
-      </pc:sldChg>
-      <pc:sldChg chg="modSp">
-        <pc:chgData name="Eickhoff, Linus (DualStudy)" userId="S::linus.eickhoff@hpe.com::232a3455-1c7d-46de-a1c5-e40f2f153460" providerId="AD" clId="Web-{D2E444FC-475D-FC57-7142-8E27B036BEDE}" dt="2021-11-08T16:27:05.442" v="224" actId="20577"/>
+      <pc:sldChg chg="new">
+        <pc:chgData name="Guest User" userId="S::urn:spo:anon#eb4d140d883721b025dece736edc3e75ccac253066bc6bc9b01c51aa8c6a0091::" providerId="AD" clId="Web-{2E68C105-91C2-E7E2-1F91-2942AD1BE8F0}" dt="2021-11-08T15:03:18.118" v="54"/>
         <pc:sldMkLst>
           <pc:docMk/>
           <pc:sldMk cId="3690638817" sldId="259"/>
         </pc:sldMkLst>
-        <pc:spChg chg="mod">
-          <ac:chgData name="Eickhoff, Linus (DualStudy)" userId="S::linus.eickhoff@hpe.com::232a3455-1c7d-46de-a1c5-e40f2f153460" providerId="AD" clId="Web-{D2E444FC-475D-FC57-7142-8E27B036BEDE}" dt="2021-11-08T16:27:05.442" v="224" actId="20577"/>
-          <ac:spMkLst>
-            <pc:docMk/>
-            <pc:sldMk cId="3690638817" sldId="259"/>
-            <ac:spMk id="3" creationId="{36C27735-401A-4AC4-9655-1A22C35B7E80}"/>
-          </ac:spMkLst>
-        </pc:spChg>
-      </pc:sldChg>
-      <pc:sldChg chg="addSp delSp modSp new">
-        <pc:chgData name="Eickhoff, Linus (DualStudy)" userId="S::linus.eickhoff@hpe.com::232a3455-1c7d-46de-a1c5-e40f2f153460" providerId="AD" clId="Web-{D2E444FC-475D-FC57-7142-8E27B036BEDE}" dt="2021-11-08T16:32:53.106" v="289" actId="1076"/>
-        <pc:sldMkLst>
-          <pc:docMk/>
-          <pc:sldMk cId="4185904270" sldId="260"/>
-        </pc:sldMkLst>
-        <pc:spChg chg="mod">
-          <ac:chgData name="Eickhoff, Linus (DualStudy)" userId="S::linus.eickhoff@hpe.com::232a3455-1c7d-46de-a1c5-e40f2f153460" providerId="AD" clId="Web-{D2E444FC-475D-FC57-7142-8E27B036BEDE}" dt="2021-11-08T16:29:35.664" v="246" actId="20577"/>
-          <ac:spMkLst>
-            <pc:docMk/>
-            <pc:sldMk cId="4185904270" sldId="260"/>
-            <ac:spMk id="2" creationId="{8330E2B2-7FB0-4E49-9636-60FEA622466D}"/>
-          </ac:spMkLst>
-        </pc:spChg>
-        <pc:spChg chg="mod">
-          <ac:chgData name="Eickhoff, Linus (DualStudy)" userId="S::linus.eickhoff@hpe.com::232a3455-1c7d-46de-a1c5-e40f2f153460" providerId="AD" clId="Web-{D2E444FC-475D-FC57-7142-8E27B036BEDE}" dt="2021-11-08T16:30:34.181" v="275" actId="20577"/>
-          <ac:spMkLst>
-            <pc:docMk/>
-            <pc:sldMk cId="4185904270" sldId="260"/>
-            <ac:spMk id="3" creationId="{8305FF91-C335-4431-952F-53600B575D97}"/>
-          </ac:spMkLst>
-        </pc:spChg>
-        <pc:spChg chg="add del">
-          <ac:chgData name="Eickhoff, Linus (DualStudy)" userId="S::linus.eickhoff@hpe.com::232a3455-1c7d-46de-a1c5-e40f2f153460" providerId="AD" clId="Web-{D2E444FC-475D-FC57-7142-8E27B036BEDE}" dt="2021-11-08T16:27:35.583" v="229"/>
-          <ac:spMkLst>
-            <pc:docMk/>
-            <pc:sldMk cId="4185904270" sldId="260"/>
-            <ac:spMk id="4" creationId="{8D888F48-F96C-4D3B-A144-544C25C051A4}"/>
-          </ac:spMkLst>
-        </pc:spChg>
-        <pc:picChg chg="add del mod modCrop">
-          <ac:chgData name="Eickhoff, Linus (DualStudy)" userId="S::linus.eickhoff@hpe.com::232a3455-1c7d-46de-a1c5-e40f2f153460" providerId="AD" clId="Web-{D2E444FC-475D-FC57-7142-8E27B036BEDE}" dt="2021-11-08T16:32:41.684" v="284"/>
-          <ac:picMkLst>
-            <pc:docMk/>
-            <pc:sldMk cId="4185904270" sldId="260"/>
-            <ac:picMk id="5" creationId="{13914E7D-4BCA-4A4F-9BFC-0419C07BB2DE}"/>
-          </ac:picMkLst>
-        </pc:picChg>
-        <pc:picChg chg="add mod">
-          <ac:chgData name="Eickhoff, Linus (DualStudy)" userId="S::linus.eickhoff@hpe.com::232a3455-1c7d-46de-a1c5-e40f2f153460" providerId="AD" clId="Web-{D2E444FC-475D-FC57-7142-8E27B036BEDE}" dt="2021-11-08T16:32:53.106" v="289" actId="1076"/>
-          <ac:picMkLst>
-            <pc:docMk/>
-            <pc:sldMk cId="4185904270" sldId="260"/>
-            <ac:picMk id="6" creationId="{59E6397C-AAB6-4730-A3D5-F115574F4BA4}"/>
-          </ac:picMkLst>
-        </pc:picChg>
-      </pc:sldChg>
-      <pc:sldChg chg="modSp new">
-        <pc:chgData name="Eickhoff, Linus (DualStudy)" userId="S::linus.eickhoff@hpe.com::232a3455-1c7d-46de-a1c5-e40f2f153460" providerId="AD" clId="Web-{D2E444FC-475D-FC57-7142-8E27B036BEDE}" dt="2021-11-08T16:38:41.020" v="487" actId="20577"/>
-        <pc:sldMkLst>
-          <pc:docMk/>
-          <pc:sldMk cId="2697997964" sldId="261"/>
-        </pc:sldMkLst>
-        <pc:spChg chg="mod">
-          <ac:chgData name="Eickhoff, Linus (DualStudy)" userId="S::linus.eickhoff@hpe.com::232a3455-1c7d-46de-a1c5-e40f2f153460" providerId="AD" clId="Web-{D2E444FC-475D-FC57-7142-8E27B036BEDE}" dt="2021-11-08T16:38:41.020" v="487" actId="20577"/>
-          <ac:spMkLst>
-            <pc:docMk/>
-            <pc:sldMk cId="2697997964" sldId="261"/>
-            <ac:spMk id="2" creationId="{EC040A4B-481C-4006-B0B0-06C0D30048E8}"/>
-          </ac:spMkLst>
-        </pc:spChg>
-        <pc:spChg chg="mod">
-          <ac:chgData name="Eickhoff, Linus (DualStudy)" userId="S::linus.eickhoff@hpe.com::232a3455-1c7d-46de-a1c5-e40f2f153460" providerId="AD" clId="Web-{D2E444FC-475D-FC57-7142-8E27B036BEDE}" dt="2021-11-08T16:38:37.723" v="480" actId="20577"/>
-          <ac:spMkLst>
-            <pc:docMk/>
-            <pc:sldMk cId="2697997964" sldId="261"/>
-            <ac:spMk id="3" creationId="{16263A58-76A3-427E-A3AA-FCDD272AAA36}"/>
-          </ac:spMkLst>
-        </pc:spChg>
-      </pc:sldChg>
-      <pc:sldChg chg="modSp new">
-        <pc:chgData name="Eickhoff, Linus (DualStudy)" userId="S::linus.eickhoff@hpe.com::232a3455-1c7d-46de-a1c5-e40f2f153460" providerId="AD" clId="Web-{D2E444FC-475D-FC57-7142-8E27B036BEDE}" dt="2021-11-08T16:38:56.927" v="494" actId="20577"/>
-        <pc:sldMkLst>
-          <pc:docMk/>
-          <pc:sldMk cId="2011952974" sldId="262"/>
-        </pc:sldMkLst>
-        <pc:spChg chg="mod">
-          <ac:chgData name="Eickhoff, Linus (DualStudy)" userId="S::linus.eickhoff@hpe.com::232a3455-1c7d-46de-a1c5-e40f2f153460" providerId="AD" clId="Web-{D2E444FC-475D-FC57-7142-8E27B036BEDE}" dt="2021-11-08T16:38:56.927" v="494" actId="20577"/>
-          <ac:spMkLst>
-            <pc:docMk/>
-            <pc:sldMk cId="2011952974" sldId="262"/>
-            <ac:spMk id="2" creationId="{8186614B-3BC2-45A5-B9C0-3372ADDB2D51}"/>
-          </ac:spMkLst>
-        </pc:spChg>
-      </pc:sldChg>
-    </pc:docChg>
-  </pc:docChgLst>
-  <pc:docChgLst>
-    <pc:chgData name="Gastbenutzer" userId="S::urn:spo:anon#d338232c970e79bfcf32bd832e64b10caeeeedfb5f10a660d8e775cadeb03618::" providerId="AD" clId="Web-{BEC3A6A4-6767-6E20-724C-D8E291A2FF54}"/>
-    <pc:docChg chg="modSld">
-      <pc:chgData name="Gastbenutzer" userId="S::urn:spo:anon#d338232c970e79bfcf32bd832e64b10caeeeedfb5f10a660d8e775cadeb03618::" providerId="AD" clId="Web-{BEC3A6A4-6767-6E20-724C-D8E291A2FF54}" dt="2021-11-08T20:11:50.636" v="8" actId="20577"/>
-      <pc:docMkLst>
-        <pc:docMk/>
-      </pc:docMkLst>
-      <pc:sldChg chg="modSp">
-        <pc:chgData name="Gastbenutzer" userId="S::urn:spo:anon#d338232c970e79bfcf32bd832e64b10caeeeedfb5f10a660d8e775cadeb03618::" providerId="AD" clId="Web-{BEC3A6A4-6767-6E20-724C-D8E291A2FF54}" dt="2021-11-08T20:11:50.636" v="8" actId="20577"/>
-        <pc:sldMkLst>
-          <pc:docMk/>
-          <pc:sldMk cId="3690638817" sldId="259"/>
-        </pc:sldMkLst>
-        <pc:spChg chg="mod">
-          <ac:chgData name="Gastbenutzer" userId="S::urn:spo:anon#d338232c970e79bfcf32bd832e64b10caeeeedfb5f10a660d8e775cadeb03618::" providerId="AD" clId="Web-{BEC3A6A4-6767-6E20-724C-D8E291A2FF54}" dt="2021-11-08T20:11:50.636" v="8" actId="20577"/>
-          <ac:spMkLst>
-            <pc:docMk/>
-            <pc:sldMk cId="3690638817" sldId="259"/>
-            <ac:spMk id="3" creationId="{36C27735-401A-4AC4-9655-1A22C35B7E80}"/>
-          </ac:spMkLst>
-        </pc:spChg>
       </pc:sldChg>
     </pc:docChg>
   </pc:docChgLst>
@@ -1738,336 +2071,79 @@
     </pc:docChg>
   </pc:docChgLst>
   <pc:docChgLst>
-    <pc:chgData name="Gastbenutzer" userId="S::urn:spo:anon#eb4d140d883721b025dece736edc3e75ccac253066bc6bc9b01c51aa8c6a0091::" providerId="AD" clId="Web-{365A8A62-3671-3F88-1A8A-02D6B5128CB4}"/>
-    <pc:docChg chg="modSld sldOrd">
-      <pc:chgData name="Gastbenutzer" userId="S::urn:spo:anon#eb4d140d883721b025dece736edc3e75ccac253066bc6bc9b01c51aa8c6a0091::" providerId="AD" clId="Web-{365A8A62-3671-3F88-1A8A-02D6B5128CB4}" dt="2021-11-11T15:51:57.459" v="392"/>
+    <pc:chgData name="Florian Kellermann" userId="84da15293d0fdc64" providerId="LiveId" clId="{F20BFE98-4877-4DD7-A0E1-091CA28F02D3}"/>
+    <pc:docChg chg="custSel addSld delSld modSld sldOrd">
+      <pc:chgData name="Florian Kellermann" userId="84da15293d0fdc64" providerId="LiveId" clId="{F20BFE98-4877-4DD7-A0E1-091CA28F02D3}" dt="2021-11-12T09:44:01.396" v="65" actId="20577"/>
       <pc:docMkLst>
         <pc:docMk/>
       </pc:docMkLst>
-      <pc:sldChg chg="modSp">
-        <pc:chgData name="Gastbenutzer" userId="S::urn:spo:anon#eb4d140d883721b025dece736edc3e75ccac253066bc6bc9b01c51aa8c6a0091::" providerId="AD" clId="Web-{365A8A62-3671-3F88-1A8A-02D6B5128CB4}" dt="2021-11-11T15:22:33.941" v="106" actId="20577"/>
-        <pc:sldMkLst>
-          <pc:docMk/>
-          <pc:sldMk cId="3705192356" sldId="258"/>
-        </pc:sldMkLst>
-        <pc:spChg chg="mod">
-          <ac:chgData name="Gastbenutzer" userId="S::urn:spo:anon#eb4d140d883721b025dece736edc3e75ccac253066bc6bc9b01c51aa8c6a0091::" providerId="AD" clId="Web-{365A8A62-3671-3F88-1A8A-02D6B5128CB4}" dt="2021-11-11T15:22:33.941" v="106" actId="20577"/>
-          <ac:spMkLst>
-            <pc:docMk/>
-            <pc:sldMk cId="3705192356" sldId="258"/>
-            <ac:spMk id="3" creationId="{377E6AA3-A089-42CC-9BB5-BABF814B1706}"/>
-          </ac:spMkLst>
-        </pc:spChg>
-      </pc:sldChg>
-      <pc:sldChg chg="modSp ord">
-        <pc:chgData name="Gastbenutzer" userId="S::urn:spo:anon#eb4d140d883721b025dece736edc3e75ccac253066bc6bc9b01c51aa8c6a0091::" providerId="AD" clId="Web-{365A8A62-3671-3F88-1A8A-02D6B5128CB4}" dt="2021-11-11T15:25:40.545" v="107"/>
-        <pc:sldMkLst>
-          <pc:docMk/>
-          <pc:sldMk cId="3690638817" sldId="259"/>
-        </pc:sldMkLst>
-        <pc:spChg chg="mod">
-          <ac:chgData name="Gastbenutzer" userId="S::urn:spo:anon#eb4d140d883721b025dece736edc3e75ccac253066bc6bc9b01c51aa8c6a0091::" providerId="AD" clId="Web-{365A8A62-3671-3F88-1A8A-02D6B5128CB4}" dt="2021-11-11T15:09:56.149" v="45" actId="20577"/>
-          <ac:spMkLst>
-            <pc:docMk/>
-            <pc:sldMk cId="3690638817" sldId="259"/>
-            <ac:spMk id="3" creationId="{36C27735-401A-4AC4-9655-1A22C35B7E80}"/>
-          </ac:spMkLst>
-        </pc:spChg>
-      </pc:sldChg>
-      <pc:sldChg chg="modSp modNotes">
-        <pc:chgData name="Gastbenutzer" userId="S::urn:spo:anon#eb4d140d883721b025dece736edc3e75ccac253066bc6bc9b01c51aa8c6a0091::" providerId="AD" clId="Web-{365A8A62-3671-3F88-1A8A-02D6B5128CB4}" dt="2021-11-11T15:51:57.459" v="392"/>
-        <pc:sldMkLst>
-          <pc:docMk/>
-          <pc:sldMk cId="4028852578" sldId="265"/>
-        </pc:sldMkLst>
-        <pc:spChg chg="mod">
-          <ac:chgData name="Gastbenutzer" userId="S::urn:spo:anon#eb4d140d883721b025dece736edc3e75ccac253066bc6bc9b01c51aa8c6a0091::" providerId="AD" clId="Web-{365A8A62-3671-3F88-1A8A-02D6B5128CB4}" dt="2021-11-11T15:21:45.501" v="96" actId="20577"/>
-          <ac:spMkLst>
-            <pc:docMk/>
-            <pc:sldMk cId="4028852578" sldId="265"/>
-            <ac:spMk id="3" creationId="{BDB36104-52CD-4414-8790-4F9B42EC815F}"/>
-          </ac:spMkLst>
-        </pc:spChg>
-      </pc:sldChg>
-    </pc:docChg>
-  </pc:docChgLst>
-  <pc:docChgLst>
-    <pc:chgData name="Gastbenutzer" userId="S::urn:spo:anon#eb4d140d883721b025dece736edc3e75ccac253066bc6bc9b01c51aa8c6a0091::" providerId="AD" clId="Web-{623016E1-72E6-4818-86B9-F67E571B952C}"/>
-    <pc:docChg chg="addSld modSld sldOrd">
-      <pc:chgData name="Gastbenutzer" userId="S::urn:spo:anon#eb4d140d883721b025dece736edc3e75ccac253066bc6bc9b01c51aa8c6a0091::" providerId="AD" clId="Web-{623016E1-72E6-4818-86B9-F67E571B952C}" dt="2021-11-08T18:34:41.354" v="49" actId="20577"/>
-      <pc:docMkLst>
-        <pc:docMk/>
-      </pc:docMkLst>
-      <pc:sldChg chg="modSp">
-        <pc:chgData name="Gastbenutzer" userId="S::urn:spo:anon#eb4d140d883721b025dece736edc3e75ccac253066bc6bc9b01c51aa8c6a0091::" providerId="AD" clId="Web-{623016E1-72E6-4818-86B9-F67E571B952C}" dt="2021-11-08T15:08:56.715" v="12" actId="20577"/>
-        <pc:sldMkLst>
-          <pc:docMk/>
-          <pc:sldMk cId="3705192356" sldId="258"/>
-        </pc:sldMkLst>
-        <pc:spChg chg="mod">
-          <ac:chgData name="Gastbenutzer" userId="S::urn:spo:anon#eb4d140d883721b025dece736edc3e75ccac253066bc6bc9b01c51aa8c6a0091::" providerId="AD" clId="Web-{623016E1-72E6-4818-86B9-F67E571B952C}" dt="2021-11-08T15:08:56.715" v="12" actId="20577"/>
-          <ac:spMkLst>
-            <pc:docMk/>
-            <pc:sldMk cId="3705192356" sldId="258"/>
-            <ac:spMk id="3" creationId="{377E6AA3-A089-42CC-9BB5-BABF814B1706}"/>
-          </ac:spMkLst>
-        </pc:spChg>
-      </pc:sldChg>
-      <pc:sldChg chg="modSp new ord">
-        <pc:chgData name="Gastbenutzer" userId="S::urn:spo:anon#eb4d140d883721b025dece736edc3e75ccac253066bc6bc9b01c51aa8c6a0091::" providerId="AD" clId="Web-{623016E1-72E6-4818-86B9-F67E571B952C}" dt="2021-11-08T18:34:17.338" v="36" actId="20577"/>
-        <pc:sldMkLst>
-          <pc:docMk/>
-          <pc:sldMk cId="1902015686" sldId="263"/>
-        </pc:sldMkLst>
-        <pc:spChg chg="mod">
-          <ac:chgData name="Gastbenutzer" userId="S::urn:spo:anon#eb4d140d883721b025dece736edc3e75ccac253066bc6bc9b01c51aa8c6a0091::" providerId="AD" clId="Web-{623016E1-72E6-4818-86B9-F67E571B952C}" dt="2021-11-08T18:34:17.338" v="36" actId="20577"/>
-          <ac:spMkLst>
-            <pc:docMk/>
-            <pc:sldMk cId="1902015686" sldId="263"/>
-            <ac:spMk id="2" creationId="{86FE024D-F6D4-4FD1-9E02-A670F04B49C8}"/>
-          </ac:spMkLst>
-        </pc:spChg>
-      </pc:sldChg>
-      <pc:sldChg chg="modSp add replId">
-        <pc:chgData name="Gastbenutzer" userId="S::urn:spo:anon#eb4d140d883721b025dece736edc3e75ccac253066bc6bc9b01c51aa8c6a0091::" providerId="AD" clId="Web-{623016E1-72E6-4818-86B9-F67E571B952C}" dt="2021-11-08T18:34:27.400" v="42" actId="20577"/>
-        <pc:sldMkLst>
-          <pc:docMk/>
-          <pc:sldMk cId="1457887039" sldId="264"/>
-        </pc:sldMkLst>
-        <pc:spChg chg="mod">
-          <ac:chgData name="Gastbenutzer" userId="S::urn:spo:anon#eb4d140d883721b025dece736edc3e75ccac253066bc6bc9b01c51aa8c6a0091::" providerId="AD" clId="Web-{623016E1-72E6-4818-86B9-F67E571B952C}" dt="2021-11-08T18:34:27.400" v="42" actId="20577"/>
-          <ac:spMkLst>
-            <pc:docMk/>
-            <pc:sldMk cId="1457887039" sldId="264"/>
-            <ac:spMk id="2" creationId="{86FE024D-F6D4-4FD1-9E02-A670F04B49C8}"/>
-          </ac:spMkLst>
-        </pc:spChg>
-      </pc:sldChg>
-      <pc:sldChg chg="modSp new">
-        <pc:chgData name="Gastbenutzer" userId="S::urn:spo:anon#eb4d140d883721b025dece736edc3e75ccac253066bc6bc9b01c51aa8c6a0091::" providerId="AD" clId="Web-{623016E1-72E6-4818-86B9-F67E571B952C}" dt="2021-11-08T18:34:41.354" v="49" actId="20577"/>
-        <pc:sldMkLst>
-          <pc:docMk/>
-          <pc:sldMk cId="4028852578" sldId="265"/>
-        </pc:sldMkLst>
-        <pc:spChg chg="mod">
-          <ac:chgData name="Gastbenutzer" userId="S::urn:spo:anon#eb4d140d883721b025dece736edc3e75ccac253066bc6bc9b01c51aa8c6a0091::" providerId="AD" clId="Web-{623016E1-72E6-4818-86B9-F67E571B952C}" dt="2021-11-08T18:34:41.354" v="49" actId="20577"/>
-          <ac:spMkLst>
-            <pc:docMk/>
-            <pc:sldMk cId="4028852578" sldId="265"/>
-            <ac:spMk id="2" creationId="{9C634A38-DA8C-48FE-9F31-72616518A2B2}"/>
-          </ac:spMkLst>
-        </pc:spChg>
-      </pc:sldChg>
-    </pc:docChg>
-  </pc:docChgLst>
-  <pc:docChgLst>
-    <pc:chgData name="Gastbenutzer" userId="S::urn:spo:anon#eb4d140d883721b025dece736edc3e75ccac253066bc6bc9b01c51aa8c6a0091::" providerId="AD" clId="Web-{56C4E4AB-0323-5FBF-1312-38BEF63F0A1C}"/>
-    <pc:docChg chg="modSld">
-      <pc:chgData name="Gastbenutzer" userId="S::urn:spo:anon#eb4d140d883721b025dece736edc3e75ccac253066bc6bc9b01c51aa8c6a0091::" providerId="AD" clId="Web-{56C4E4AB-0323-5FBF-1312-38BEF63F0A1C}" dt="2021-11-10T19:42:46.782" v="21" actId="20577"/>
-      <pc:docMkLst>
-        <pc:docMk/>
-      </pc:docMkLst>
-      <pc:sldChg chg="modSp">
-        <pc:chgData name="Gastbenutzer" userId="S::urn:spo:anon#eb4d140d883721b025dece736edc3e75ccac253066bc6bc9b01c51aa8c6a0091::" providerId="AD" clId="Web-{56C4E4AB-0323-5FBF-1312-38BEF63F0A1C}" dt="2021-11-10T19:42:46.782" v="21" actId="20577"/>
-        <pc:sldMkLst>
-          <pc:docMk/>
-          <pc:sldMk cId="4028852578" sldId="265"/>
-        </pc:sldMkLst>
-        <pc:spChg chg="mod">
-          <ac:chgData name="Gastbenutzer" userId="S::urn:spo:anon#eb4d140d883721b025dece736edc3e75ccac253066bc6bc9b01c51aa8c6a0091::" providerId="AD" clId="Web-{56C4E4AB-0323-5FBF-1312-38BEF63F0A1C}" dt="2021-11-10T19:42:46.782" v="21" actId="20577"/>
-          <ac:spMkLst>
-            <pc:docMk/>
-            <pc:sldMk cId="4028852578" sldId="265"/>
-            <ac:spMk id="3" creationId="{BDB36104-52CD-4414-8790-4F9B42EC815F}"/>
-          </ac:spMkLst>
-        </pc:spChg>
-      </pc:sldChg>
-    </pc:docChg>
-  </pc:docChgLst>
-  <pc:docChgLst>
-    <pc:chgData name="Guest User" userId="S::urn:spo:anon#eb4d140d883721b025dece736edc3e75ccac253066bc6bc9b01c51aa8c6a0091::" providerId="AD" clId="Web-{2E68C105-91C2-E7E2-1F91-2942AD1BE8F0}"/>
-    <pc:docChg chg="addSld modSld">
-      <pc:chgData name="Guest User" userId="S::urn:spo:anon#eb4d140d883721b025dece736edc3e75ccac253066bc6bc9b01c51aa8c6a0091::" providerId="AD" clId="Web-{2E68C105-91C2-E7E2-1F91-2942AD1BE8F0}" dt="2021-11-08T15:10:00.021" v="212" actId="20577"/>
-      <pc:docMkLst>
-        <pc:docMk/>
-      </pc:docMkLst>
-      <pc:sldChg chg="modSp">
-        <pc:chgData name="Guest User" userId="S::urn:spo:anon#eb4d140d883721b025dece736edc3e75ccac253066bc6bc9b01c51aa8c6a0091::" providerId="AD" clId="Web-{2E68C105-91C2-E7E2-1F91-2942AD1BE8F0}" dt="2021-11-08T14:37:58.606" v="13" actId="20577"/>
+      <pc:sldChg chg="modSp mod">
+        <pc:chgData name="Florian Kellermann" userId="84da15293d0fdc64" providerId="LiveId" clId="{F20BFE98-4877-4DD7-A0E1-091CA28F02D3}" dt="2021-11-12T09:44:01.396" v="65" actId="20577"/>
         <pc:sldMkLst>
           <pc:docMk/>
           <pc:sldMk cId="2559890402" sldId="257"/>
         </pc:sldMkLst>
         <pc:spChg chg="mod">
-          <ac:chgData name="Guest User" userId="S::urn:spo:anon#eb4d140d883721b025dece736edc3e75ccac253066bc6bc9b01c51aa8c6a0091::" providerId="AD" clId="Web-{2E68C105-91C2-E7E2-1F91-2942AD1BE8F0}" dt="2021-11-08T14:37:58.606" v="13" actId="20577"/>
+          <ac:chgData name="Florian Kellermann" userId="84da15293d0fdc64" providerId="LiveId" clId="{F20BFE98-4877-4DD7-A0E1-091CA28F02D3}" dt="2021-11-12T09:44:01.396" v="65" actId="20577"/>
           <ac:spMkLst>
             <pc:docMk/>
             <pc:sldMk cId="2559890402" sldId="257"/>
-            <ac:spMk id="3" creationId="{7C7E7917-C1BB-4F2A-A702-DB033A9D50AA}"/>
+            <ac:spMk id="2" creationId="{BAEDD47D-1DB9-40FE-8F3B-17D7EAFA3248}"/>
           </ac:spMkLst>
         </pc:spChg>
       </pc:sldChg>
-      <pc:sldChg chg="addSp delSp modSp">
-        <pc:chgData name="Guest User" userId="S::urn:spo:anon#eb4d140d883721b025dece736edc3e75ccac253066bc6bc9b01c51aa8c6a0091::" providerId="AD" clId="Web-{2E68C105-91C2-E7E2-1F91-2942AD1BE8F0}" dt="2021-11-08T15:10:00.021" v="212" actId="20577"/>
+      <pc:sldChg chg="addSp delSp modSp mod">
+        <pc:chgData name="Florian Kellermann" userId="84da15293d0fdc64" providerId="LiveId" clId="{F20BFE98-4877-4DD7-A0E1-091CA28F02D3}" dt="2021-11-12T09:41:34.733" v="5" actId="1076"/>
         <pc:sldMkLst>
           <pc:docMk/>
-          <pc:sldMk cId="3705192356" sldId="258"/>
+          <pc:sldMk cId="2213903870" sldId="281"/>
+        </pc:sldMkLst>
+        <pc:picChg chg="add mod">
+          <ac:chgData name="Florian Kellermann" userId="84da15293d0fdc64" providerId="LiveId" clId="{F20BFE98-4877-4DD7-A0E1-091CA28F02D3}" dt="2021-11-12T09:41:34.733" v="5" actId="1076"/>
+          <ac:picMkLst>
+            <pc:docMk/>
+            <pc:sldMk cId="2213903870" sldId="281"/>
+            <ac:picMk id="5" creationId="{C1BEB44B-9509-48DE-9B44-BA79B2842CAC}"/>
+          </ac:picMkLst>
+        </pc:picChg>
+        <pc:picChg chg="del">
+          <ac:chgData name="Florian Kellermann" userId="84da15293d0fdc64" providerId="LiveId" clId="{F20BFE98-4877-4DD7-A0E1-091CA28F02D3}" dt="2021-11-12T09:41:09.204" v="0" actId="478"/>
+          <ac:picMkLst>
+            <pc:docMk/>
+            <pc:sldMk cId="2213903870" sldId="281"/>
+            <ac:picMk id="7" creationId="{8FA6CBCF-4882-4594-AD74-F718B7F6985B}"/>
+          </ac:picMkLst>
+        </pc:picChg>
+      </pc:sldChg>
+      <pc:sldChg chg="modSp add mod ord">
+        <pc:chgData name="Florian Kellermann" userId="84da15293d0fdc64" providerId="LiveId" clId="{F20BFE98-4877-4DD7-A0E1-091CA28F02D3}" dt="2021-11-12T09:43:11.506" v="38" actId="1076"/>
+        <pc:sldMkLst>
+          <pc:docMk/>
+          <pc:sldMk cId="865695529" sldId="284"/>
         </pc:sldMkLst>
         <pc:spChg chg="mod">
-          <ac:chgData name="Guest User" userId="S::urn:spo:anon#eb4d140d883721b025dece736edc3e75ccac253066bc6bc9b01c51aa8c6a0091::" providerId="AD" clId="Web-{2E68C105-91C2-E7E2-1F91-2942AD1BE8F0}" dt="2021-11-08T15:10:00.021" v="212" actId="20577"/>
+          <ac:chgData name="Florian Kellermann" userId="84da15293d0fdc64" providerId="LiveId" clId="{F20BFE98-4877-4DD7-A0E1-091CA28F02D3}" dt="2021-11-12T09:43:07.375" v="37" actId="1076"/>
           <ac:spMkLst>
             <pc:docMk/>
-            <pc:sldMk cId="3705192356" sldId="258"/>
-            <ac:spMk id="3" creationId="{377E6AA3-A089-42CC-9BB5-BABF814B1706}"/>
+            <pc:sldMk cId="865695529" sldId="284"/>
+            <ac:spMk id="2" creationId="{E948EAF1-23DF-4672-85A6-5D54AC4425E1}"/>
           </ac:spMkLst>
         </pc:spChg>
-        <pc:spChg chg="add del">
-          <ac:chgData name="Guest User" userId="S::urn:spo:anon#eb4d140d883721b025dece736edc3e75ccac253066bc6bc9b01c51aa8c6a0091::" providerId="AD" clId="Web-{2E68C105-91C2-E7E2-1F91-2942AD1BE8F0}" dt="2021-11-08T15:03:26.103" v="56"/>
+        <pc:spChg chg="mod">
+          <ac:chgData name="Florian Kellermann" userId="84da15293d0fdc64" providerId="LiveId" clId="{F20BFE98-4877-4DD7-A0E1-091CA28F02D3}" dt="2021-11-12T09:43:11.506" v="38" actId="1076"/>
           <ac:spMkLst>
             <pc:docMk/>
-            <pc:sldMk cId="3705192356" sldId="258"/>
-            <ac:spMk id="4" creationId="{88C4F1E0-64DD-420C-B926-4402B849064A}"/>
+            <pc:sldMk cId="865695529" sldId="284"/>
+            <ac:spMk id="3" creationId="{26814436-C233-4257-BABC-64DE872A49CB}"/>
           </ac:spMkLst>
         </pc:spChg>
       </pc:sldChg>
-      <pc:sldChg chg="new">
-        <pc:chgData name="Guest User" userId="S::urn:spo:anon#eb4d140d883721b025dece736edc3e75ccac253066bc6bc9b01c51aa8c6a0091::" providerId="AD" clId="Web-{2E68C105-91C2-E7E2-1F91-2942AD1BE8F0}" dt="2021-11-08T15:03:18.118" v="54"/>
+      <pc:sldChg chg="new del">
+        <pc:chgData name="Florian Kellermann" userId="84da15293d0fdc64" providerId="LiveId" clId="{F20BFE98-4877-4DD7-A0E1-091CA28F02D3}" dt="2021-11-12T09:42:36.420" v="20" actId="47"/>
         <pc:sldMkLst>
           <pc:docMk/>
-          <pc:sldMk cId="3690638817" sldId="259"/>
+          <pc:sldMk cId="1318772731" sldId="285"/>
         </pc:sldMkLst>
-      </pc:sldChg>
-    </pc:docChg>
-  </pc:docChgLst>
-  <pc:docChgLst>
-    <pc:chgData name="Eickhoff, Linus (DualStudy)" userId="S::linus.eickhoff@hpe.com::232a3455-1c7d-46de-a1c5-e40f2f153460" providerId="AD" clId="Web-{D949CD63-E8DE-5960-1155-1E1C3F468878}"/>
-    <pc:docChg chg="addSld delSld modSld sldOrd">
-      <pc:chgData name="Eickhoff, Linus (DualStudy)" userId="S::linus.eickhoff@hpe.com::232a3455-1c7d-46de-a1c5-e40f2f153460" providerId="AD" clId="Web-{D949CD63-E8DE-5960-1155-1E1C3F468878}" dt="2021-11-10T15:07:45.251" v="76"/>
-      <pc:docMkLst>
-        <pc:docMk/>
-      </pc:docMkLst>
-      <pc:sldChg chg="del">
-        <pc:chgData name="Eickhoff, Linus (DualStudy)" userId="S::linus.eickhoff@hpe.com::232a3455-1c7d-46de-a1c5-e40f2f153460" providerId="AD" clId="Web-{D949CD63-E8DE-5960-1155-1E1C3F468878}" dt="2021-11-10T15:02:38.508" v="3"/>
-        <pc:sldMkLst>
-          <pc:docMk/>
-          <pc:sldMk cId="2697997964" sldId="261"/>
-        </pc:sldMkLst>
-      </pc:sldChg>
-      <pc:sldChg chg="addSp delSp modSp ord">
-        <pc:chgData name="Eickhoff, Linus (DualStudy)" userId="S::linus.eickhoff@hpe.com::232a3455-1c7d-46de-a1c5-e40f2f153460" providerId="AD" clId="Web-{D949CD63-E8DE-5960-1155-1E1C3F468878}" dt="2021-11-10T15:07:23.719" v="74" actId="20577"/>
-        <pc:sldMkLst>
-          <pc:docMk/>
-          <pc:sldMk cId="2011952974" sldId="262"/>
-        </pc:sldMkLst>
-        <pc:spChg chg="mod">
-          <ac:chgData name="Eickhoff, Linus (DualStudy)" userId="S::linus.eickhoff@hpe.com::232a3455-1c7d-46de-a1c5-e40f2f153460" providerId="AD" clId="Web-{D949CD63-E8DE-5960-1155-1E1C3F468878}" dt="2021-11-10T15:07:23.719" v="74" actId="20577"/>
-          <ac:spMkLst>
-            <pc:docMk/>
-            <pc:sldMk cId="2011952974" sldId="262"/>
-            <ac:spMk id="2" creationId="{8186614B-3BC2-45A5-B9C0-3372ADDB2D51}"/>
-          </ac:spMkLst>
-        </pc:spChg>
-        <pc:spChg chg="del">
-          <ac:chgData name="Eickhoff, Linus (DualStudy)" userId="S::linus.eickhoff@hpe.com::232a3455-1c7d-46de-a1c5-e40f2f153460" providerId="AD" clId="Web-{D949CD63-E8DE-5960-1155-1E1C3F468878}" dt="2021-11-10T15:02:12.554" v="0"/>
-          <ac:spMkLst>
-            <pc:docMk/>
-            <pc:sldMk cId="2011952974" sldId="262"/>
-            <ac:spMk id="3" creationId="{0D6A7DD2-52AB-4418-A328-422233930B36}"/>
-          </ac:spMkLst>
-        </pc:spChg>
-        <pc:picChg chg="add mod ord">
-          <ac:chgData name="Eickhoff, Linus (DualStudy)" userId="S::linus.eickhoff@hpe.com::232a3455-1c7d-46de-a1c5-e40f2f153460" providerId="AD" clId="Web-{D949CD63-E8DE-5960-1155-1E1C3F468878}" dt="2021-11-10T15:03:43.712" v="15" actId="1076"/>
-          <ac:picMkLst>
-            <pc:docMk/>
-            <pc:sldMk cId="2011952974" sldId="262"/>
-            <ac:picMk id="4" creationId="{2B4D4995-7C62-473F-97EB-48AB04374F9F}"/>
-          </ac:picMkLst>
-        </pc:picChg>
-      </pc:sldChg>
-      <pc:sldChg chg="ord">
-        <pc:chgData name="Eickhoff, Linus (DualStudy)" userId="S::linus.eickhoff@hpe.com::232a3455-1c7d-46de-a1c5-e40f2f153460" providerId="AD" clId="Web-{D949CD63-E8DE-5960-1155-1E1C3F468878}" dt="2021-11-10T15:07:43.626" v="75"/>
-        <pc:sldMkLst>
-          <pc:docMk/>
-          <pc:sldMk cId="4028852578" sldId="265"/>
-        </pc:sldMkLst>
-      </pc:sldChg>
-      <pc:sldChg chg="addSp delSp modSp add ord replId">
-        <pc:chgData name="Eickhoff, Linus (DualStudy)" userId="S::linus.eickhoff@hpe.com::232a3455-1c7d-46de-a1c5-e40f2f153460" providerId="AD" clId="Web-{D949CD63-E8DE-5960-1155-1E1C3F468878}" dt="2021-11-10T15:07:45.251" v="76"/>
-        <pc:sldMkLst>
-          <pc:docMk/>
-          <pc:sldMk cId="1483544498" sldId="278"/>
-        </pc:sldMkLst>
-        <pc:spChg chg="mod">
-          <ac:chgData name="Eickhoff, Linus (DualStudy)" userId="S::linus.eickhoff@hpe.com::232a3455-1c7d-46de-a1c5-e40f2f153460" providerId="AD" clId="Web-{D949CD63-E8DE-5960-1155-1E1C3F468878}" dt="2021-11-10T15:04:18.229" v="42" actId="20577"/>
-          <ac:spMkLst>
-            <pc:docMk/>
-            <pc:sldMk cId="1483544498" sldId="278"/>
-            <ac:spMk id="2" creationId="{8186614B-3BC2-45A5-B9C0-3372ADDB2D51}"/>
-          </ac:spMkLst>
-        </pc:spChg>
-        <pc:spChg chg="add del mod">
-          <ac:chgData name="Eickhoff, Linus (DualStudy)" userId="S::linus.eickhoff@hpe.com::232a3455-1c7d-46de-a1c5-e40f2f153460" providerId="AD" clId="Web-{D949CD63-E8DE-5960-1155-1E1C3F468878}" dt="2021-11-10T15:04:41.229" v="43"/>
-          <ac:spMkLst>
-            <pc:docMk/>
-            <pc:sldMk cId="1483544498" sldId="278"/>
-            <ac:spMk id="5" creationId="{08F72077-9325-4D84-BB14-F15722ECF73E}"/>
-          </ac:spMkLst>
-        </pc:spChg>
-        <pc:picChg chg="del">
-          <ac:chgData name="Eickhoff, Linus (DualStudy)" userId="S::linus.eickhoff@hpe.com::232a3455-1c7d-46de-a1c5-e40f2f153460" providerId="AD" clId="Web-{D949CD63-E8DE-5960-1155-1E1C3F468878}" dt="2021-11-10T15:04:05.807" v="18"/>
-          <ac:picMkLst>
-            <pc:docMk/>
-            <pc:sldMk cId="1483544498" sldId="278"/>
-            <ac:picMk id="4" creationId="{2B4D4995-7C62-473F-97EB-48AB04374F9F}"/>
-          </ac:picMkLst>
-        </pc:picChg>
-        <pc:picChg chg="add mod ord">
-          <ac:chgData name="Eickhoff, Linus (DualStudy)" userId="S::linus.eickhoff@hpe.com::232a3455-1c7d-46de-a1c5-e40f2f153460" providerId="AD" clId="Web-{D949CD63-E8DE-5960-1155-1E1C3F468878}" dt="2021-11-10T15:04:49.026" v="44" actId="1076"/>
-          <ac:picMkLst>
-            <pc:docMk/>
-            <pc:sldMk cId="1483544498" sldId="278"/>
-            <ac:picMk id="6" creationId="{D4B3063B-40A9-4DAE-B4C0-483BF4AB3352}"/>
-          </ac:picMkLst>
-        </pc:picChg>
-        <pc:picChg chg="add mod">
-          <ac:chgData name="Eickhoff, Linus (DualStudy)" userId="S::linus.eickhoff@hpe.com::232a3455-1c7d-46de-a1c5-e40f2f153460" providerId="AD" clId="Web-{D949CD63-E8DE-5960-1155-1E1C3F468878}" dt="2021-11-10T15:05:39.965" v="56" actId="1076"/>
-          <ac:picMkLst>
-            <pc:docMk/>
-            <pc:sldMk cId="1483544498" sldId="278"/>
-            <ac:picMk id="7" creationId="{CD948EC8-AA62-4380-9014-A7CC4FA165F4}"/>
-          </ac:picMkLst>
-        </pc:picChg>
-      </pc:sldChg>
-    </pc:docChg>
-  </pc:docChgLst>
-  <pc:docChgLst>
-    <pc:chgData name="Guest User" userId="S::urn:spo:anon#eb4d140d883721b025dece736edc3e75ccac253066bc6bc9b01c51aa8c6a0091::" providerId="AD" clId="Web-{61D18D30-85A0-ACE3-0848-AA88006C46B1}"/>
-    <pc:docChg chg="modSld">
-      <pc:chgData name="Guest User" userId="S::urn:spo:anon#eb4d140d883721b025dece736edc3e75ccac253066bc6bc9b01c51aa8c6a0091::" providerId="AD" clId="Web-{61D18D30-85A0-ACE3-0848-AA88006C46B1}" dt="2021-11-08T16:18:08.934" v="273" actId="20577"/>
-      <pc:docMkLst>
-        <pc:docMk/>
-      </pc:docMkLst>
-      <pc:sldChg chg="modSp">
-        <pc:chgData name="Guest User" userId="S::urn:spo:anon#eb4d140d883721b025dece736edc3e75ccac253066bc6bc9b01c51aa8c6a0091::" providerId="AD" clId="Web-{61D18D30-85A0-ACE3-0848-AA88006C46B1}" dt="2021-11-08T16:18:08.934" v="273" actId="20577"/>
-        <pc:sldMkLst>
-          <pc:docMk/>
-          <pc:sldMk cId="3690638817" sldId="259"/>
-        </pc:sldMkLst>
-        <pc:spChg chg="mod">
-          <ac:chgData name="Guest User" userId="S::urn:spo:anon#eb4d140d883721b025dece736edc3e75ccac253066bc6bc9b01c51aa8c6a0091::" providerId="AD" clId="Web-{61D18D30-85A0-ACE3-0848-AA88006C46B1}" dt="2021-11-08T16:10:28.155" v="10" actId="20577"/>
-          <ac:spMkLst>
-            <pc:docMk/>
-            <pc:sldMk cId="3690638817" sldId="259"/>
-            <ac:spMk id="2" creationId="{608B1735-C342-4957-BE30-E80E8FEEAE8C}"/>
-          </ac:spMkLst>
-        </pc:spChg>
-        <pc:spChg chg="mod">
-          <ac:chgData name="Guest User" userId="S::urn:spo:anon#eb4d140d883721b025dece736edc3e75ccac253066bc6bc9b01c51aa8c6a0091::" providerId="AD" clId="Web-{61D18D30-85A0-ACE3-0848-AA88006C46B1}" dt="2021-11-08T16:18:08.934" v="273" actId="20577"/>
-          <ac:spMkLst>
-            <pc:docMk/>
-            <pc:sldMk cId="3690638817" sldId="259"/>
-            <ac:spMk id="3" creationId="{36C27735-401A-4AC4-9655-1A22C35B7E80}"/>
-          </ac:spMkLst>
-        </pc:spChg>
       </pc:sldChg>
     </pc:docChg>
   </pc:docChgLst>
@@ -2156,7 +2232,7 @@
           <a:p>
             <a:fld id="{629C3883-FD45-4F4E-B111-539633669348}" type="datetimeFigureOut">
               <a:rPr lang="de-DE"/>
-              <a:t>11.11.2021</a:t>
+              <a:t>12.11.2021</a:t>
             </a:fld>
             <a:endParaRPr lang="de-DE"/>
           </a:p>
@@ -3319,10 +3395,6 @@
             </a:lvl1pPr>
           </a:lstStyle>
           <a:p>
-            <a:fld id="{91C2B5AB-0D9D-4DFC-8A85-D28C1A6245AA}" type="datetimeFigureOut">
-              <a:rPr lang="de-DE" smtClean="0"/>
-              <a:t>11.11.2021</a:t>
-            </a:fld>
             <a:endParaRPr lang="de-DE"/>
           </a:p>
         </p:txBody>
@@ -3502,10 +3574,6 @@
             </a:lvl1pPr>
           </a:lstStyle>
           <a:p>
-            <a:fld id="{91C2B5AB-0D9D-4DFC-8A85-D28C1A6245AA}" type="datetimeFigureOut">
-              <a:rPr lang="de-DE" smtClean="0"/>
-              <a:t>11.11.2021</a:t>
-            </a:fld>
             <a:endParaRPr lang="de-DE"/>
           </a:p>
         </p:txBody>
@@ -3675,10 +3743,6 @@
             </a:lvl1pPr>
           </a:lstStyle>
           <a:p>
-            <a:fld id="{91C2B5AB-0D9D-4DFC-8A85-D28C1A6245AA}" type="datetimeFigureOut">
-              <a:rPr lang="de-DE" smtClean="0"/>
-              <a:t>11.11.2021</a:t>
-            </a:fld>
             <a:endParaRPr lang="de-DE"/>
           </a:p>
         </p:txBody>
@@ -3871,10 +3935,6 @@
             </a:lvl1pPr>
           </a:lstStyle>
           <a:p>
-            <a:fld id="{91C2B5AB-0D9D-4DFC-8A85-D28C1A6245AA}" type="datetimeFigureOut">
-              <a:rPr lang="de-DE" smtClean="0"/>
-              <a:t>11.11.2021</a:t>
-            </a:fld>
             <a:endParaRPr lang="de-DE"/>
           </a:p>
         </p:txBody>
@@ -4161,10 +4221,6 @@
             </a:lvl1pPr>
           </a:lstStyle>
           <a:p>
-            <a:fld id="{91C2B5AB-0D9D-4DFC-8A85-D28C1A6245AA}" type="datetimeFigureOut">
-              <a:rPr lang="de-DE" smtClean="0"/>
-              <a:t>11.11.2021</a:t>
-            </a:fld>
             <a:endParaRPr lang="de-DE"/>
           </a:p>
         </p:txBody>
@@ -4590,10 +4646,6 @@
             </a:lvl1pPr>
           </a:lstStyle>
           <a:p>
-            <a:fld id="{91C2B5AB-0D9D-4DFC-8A85-D28C1A6245AA}" type="datetimeFigureOut">
-              <a:rPr lang="de-DE" smtClean="0"/>
-              <a:t>11.11.2021</a:t>
-            </a:fld>
             <a:endParaRPr lang="de-DE"/>
           </a:p>
         </p:txBody>
@@ -4712,10 +4764,6 @@
             </a:lvl1pPr>
           </a:lstStyle>
           <a:p>
-            <a:fld id="{91C2B5AB-0D9D-4DFC-8A85-D28C1A6245AA}" type="datetimeFigureOut">
-              <a:rPr lang="de-DE" smtClean="0"/>
-              <a:t>11.11.2021</a:t>
-            </a:fld>
             <a:endParaRPr lang="de-DE"/>
           </a:p>
         </p:txBody>
@@ -4812,10 +4860,6 @@
             </a:lvl1pPr>
           </a:lstStyle>
           <a:p>
-            <a:fld id="{91C2B5AB-0D9D-4DFC-8A85-D28C1A6245AA}" type="datetimeFigureOut">
-              <a:rPr lang="de-DE" smtClean="0"/>
-              <a:t>11.11.2021</a:t>
-            </a:fld>
             <a:endParaRPr lang="de-DE"/>
           </a:p>
         </p:txBody>
@@ -5092,10 +5136,6 @@
             </a:lvl1pPr>
           </a:lstStyle>
           <a:p>
-            <a:fld id="{91C2B5AB-0D9D-4DFC-8A85-D28C1A6245AA}" type="datetimeFigureOut">
-              <a:rPr lang="de-DE" smtClean="0"/>
-              <a:t>11.11.2021</a:t>
-            </a:fld>
             <a:endParaRPr lang="de-DE"/>
           </a:p>
         </p:txBody>
@@ -5353,10 +5393,6 @@
             </a:lvl1pPr>
           </a:lstStyle>
           <a:p>
-            <a:fld id="{91C2B5AB-0D9D-4DFC-8A85-D28C1A6245AA}" type="datetimeFigureOut">
-              <a:rPr lang="de-DE" smtClean="0"/>
-              <a:t>11.11.2021</a:t>
-            </a:fld>
             <a:endParaRPr lang="de-DE"/>
           </a:p>
         </p:txBody>
@@ -5566,10 +5602,6 @@
             </a:lvl1pPr>
           </a:lstStyle>
           <a:p>
-            <a:fld id="{91C2B5AB-0D9D-4DFC-8A85-D28C1A6245AA}" type="datetimeFigureOut">
-              <a:rPr lang="de-DE" smtClean="0"/>
-              <a:t>11.11.2021</a:t>
-            </a:fld>
             <a:endParaRPr lang="de-DE"/>
           </a:p>
         </p:txBody>
@@ -6109,6 +6141,7 @@
     <p:sldLayoutId id="2147483670" r:id="rId10"/>
     <p:sldLayoutId id="2147483671" r:id="rId11"/>
   </p:sldLayoutIdLst>
+  <p:hf hdr="0" ftr="0" dt="0"/>
   <p:txStyles>
     <p:titleStyle>
       <a:lvl1pPr algn="l" defTabSz="684610" rtl="0" eaLnBrk="1" fontAlgn="base" hangingPunct="1">
@@ -6532,10 +6565,16 @@
           <a:lstStyle/>
           <a:p>
             <a:r>
-              <a:rPr lang="sv-SE"/>
+              <a:rPr lang="sv-SE" dirty="0"/>
               <a:t>Linus Eickhoff, Lukas Ernst, Florian Kaiser, Florian Kellermann, Malte Horst</a:t>
             </a:r>
-            <a:endParaRPr lang="de-DE"/>
+          </a:p>
+          <a:p>
+            <a:r>
+              <a:rPr lang="sv-SE" dirty="0"/>
+              <a:t>12.11.2021</a:t>
+            </a:r>
+            <a:endParaRPr lang="de-DE" dirty="0"/>
           </a:p>
         </p:txBody>
       </p:sp>
@@ -6571,7 +6610,7 @@
               </a:rPr>
               <a:t>Team 1 – Modelling Wizard for Device Descriptions</a:t>
             </a:r>
-            <a:endParaRPr lang="de-DE">
+            <a:endParaRPr lang="de-DE" dirty="0">
               <a:cs typeface="Arial"/>
             </a:endParaRPr>
           </a:p>
@@ -6961,6 +7000,35 @@
           </a:graphicData>
         </a:graphic>
       </p:graphicFrame>
+      <p:sp>
+        <p:nvSpPr>
+          <p:cNvPr id="3" name="Slide Number Placeholder 2">
+            <a:extLst>
+              <a:ext uri="{FF2B5EF4-FFF2-40B4-BE49-F238E27FC236}">
+                <a16:creationId xmlns:a16="http://schemas.microsoft.com/office/drawing/2014/main" id="{A4C64F17-F3D3-4B12-8BDD-EF6D7236AEC9}"/>
+              </a:ext>
+            </a:extLst>
+          </p:cNvPr>
+          <p:cNvSpPr>
+            <a:spLocks noGrp="1"/>
+          </p:cNvSpPr>
+          <p:nvPr>
+            <p:ph type="sldNum" sz="quarter" idx="11"/>
+          </p:nvPr>
+        </p:nvSpPr>
+        <p:spPr/>
+        <p:txBody>
+          <a:bodyPr/>
+          <a:lstStyle/>
+          <a:p>
+            <a:fld id="{B0C48C2A-9B35-4C98-8F62-FAE3B77D637B}" type="slidenum">
+              <a:rPr lang="de-DE" smtClean="0"/>
+              <a:t>10</a:t>
+            </a:fld>
+            <a:endParaRPr lang="de-DE"/>
+          </a:p>
+        </p:txBody>
+      </p:sp>
     </p:spTree>
     <p:extLst>
       <p:ext uri="{BB962C8B-B14F-4D97-AF65-F5344CB8AC3E}">
@@ -7341,6 +7409,35 @@
           </a:graphicData>
         </a:graphic>
       </p:graphicFrame>
+      <p:sp>
+        <p:nvSpPr>
+          <p:cNvPr id="3" name="Slide Number Placeholder 2">
+            <a:extLst>
+              <a:ext uri="{FF2B5EF4-FFF2-40B4-BE49-F238E27FC236}">
+                <a16:creationId xmlns:a16="http://schemas.microsoft.com/office/drawing/2014/main" id="{DB7BDC93-9C8C-4188-8015-43919D068282}"/>
+              </a:ext>
+            </a:extLst>
+          </p:cNvPr>
+          <p:cNvSpPr>
+            <a:spLocks noGrp="1"/>
+          </p:cNvSpPr>
+          <p:nvPr>
+            <p:ph type="sldNum" sz="quarter" idx="11"/>
+          </p:nvPr>
+        </p:nvSpPr>
+        <p:spPr/>
+        <p:txBody>
+          <a:bodyPr/>
+          <a:lstStyle/>
+          <a:p>
+            <a:fld id="{B0C48C2A-9B35-4C98-8F62-FAE3B77D637B}" type="slidenum">
+              <a:rPr lang="de-DE" smtClean="0"/>
+              <a:t>11</a:t>
+            </a:fld>
+            <a:endParaRPr lang="de-DE"/>
+          </a:p>
+        </p:txBody>
+      </p:sp>
     </p:spTree>
     <p:extLst>
       <p:ext uri="{BB962C8B-B14F-4D97-AF65-F5344CB8AC3E}">
@@ -7424,6 +7521,35 @@
           <a:lstStyle/>
           <a:p>
             <a:endParaRPr lang="en-US"/>
+          </a:p>
+        </p:txBody>
+      </p:sp>
+      <p:sp>
+        <p:nvSpPr>
+          <p:cNvPr id="4" name="Slide Number Placeholder 3">
+            <a:extLst>
+              <a:ext uri="{FF2B5EF4-FFF2-40B4-BE49-F238E27FC236}">
+                <a16:creationId xmlns:a16="http://schemas.microsoft.com/office/drawing/2014/main" id="{8EE67A51-F760-4A31-90A4-99E50E40AE39}"/>
+              </a:ext>
+            </a:extLst>
+          </p:cNvPr>
+          <p:cNvSpPr>
+            <a:spLocks noGrp="1"/>
+          </p:cNvSpPr>
+          <p:nvPr>
+            <p:ph type="sldNum" sz="quarter" idx="11"/>
+          </p:nvPr>
+        </p:nvSpPr>
+        <p:spPr/>
+        <p:txBody>
+          <a:bodyPr/>
+          <a:lstStyle/>
+          <a:p>
+            <a:fld id="{B0C48C2A-9B35-4C98-8F62-FAE3B77D637B}" type="slidenum">
+              <a:rPr lang="de-DE" smtClean="0"/>
+              <a:t>12</a:t>
+            </a:fld>
+            <a:endParaRPr lang="de-DE"/>
           </a:p>
         </p:txBody>
       </p:sp>
@@ -7694,6 +7820,35 @@
           </a:p>
         </p:txBody>
       </p:sp>
+      <p:sp>
+        <p:nvSpPr>
+          <p:cNvPr id="4" name="Slide Number Placeholder 3">
+            <a:extLst>
+              <a:ext uri="{FF2B5EF4-FFF2-40B4-BE49-F238E27FC236}">
+                <a16:creationId xmlns:a16="http://schemas.microsoft.com/office/drawing/2014/main" id="{5B4CEA1F-CA11-45E9-8E78-C6764D2D73EA}"/>
+              </a:ext>
+            </a:extLst>
+          </p:cNvPr>
+          <p:cNvSpPr>
+            <a:spLocks noGrp="1"/>
+          </p:cNvSpPr>
+          <p:nvPr>
+            <p:ph type="sldNum" sz="quarter" idx="11"/>
+          </p:nvPr>
+        </p:nvSpPr>
+        <p:spPr/>
+        <p:txBody>
+          <a:bodyPr/>
+          <a:lstStyle/>
+          <a:p>
+            <a:fld id="{B0C48C2A-9B35-4C98-8F62-FAE3B77D637B}" type="slidenum">
+              <a:rPr lang="de-DE" smtClean="0"/>
+              <a:t>13</a:t>
+            </a:fld>
+            <a:endParaRPr lang="de-DE"/>
+          </a:p>
+        </p:txBody>
+      </p:sp>
     </p:spTree>
     <p:extLst>
       <p:ext uri="{BB962C8B-B14F-4D97-AF65-F5344CB8AC3E}">
@@ -8139,6 +8294,35 @@
               <a:t>können</a:t>
             </a:r>
             <a:endParaRPr lang="en-US" err="1"/>
+          </a:p>
+        </p:txBody>
+      </p:sp>
+      <p:sp>
+        <p:nvSpPr>
+          <p:cNvPr id="4" name="Slide Number Placeholder 3">
+            <a:extLst>
+              <a:ext uri="{FF2B5EF4-FFF2-40B4-BE49-F238E27FC236}">
+                <a16:creationId xmlns:a16="http://schemas.microsoft.com/office/drawing/2014/main" id="{B35169CF-EF9B-495D-8001-EBA00E84C08A}"/>
+              </a:ext>
+            </a:extLst>
+          </p:cNvPr>
+          <p:cNvSpPr>
+            <a:spLocks noGrp="1"/>
+          </p:cNvSpPr>
+          <p:nvPr>
+            <p:ph type="sldNum" sz="quarter" idx="11"/>
+          </p:nvPr>
+        </p:nvSpPr>
+        <p:spPr/>
+        <p:txBody>
+          <a:bodyPr/>
+          <a:lstStyle/>
+          <a:p>
+            <a:fld id="{B0C48C2A-9B35-4C98-8F62-FAE3B77D637B}" type="slidenum">
+              <a:rPr lang="de-DE" smtClean="0"/>
+              <a:t>14</a:t>
+            </a:fld>
+            <a:endParaRPr lang="de-DE"/>
           </a:p>
         </p:txBody>
       </p:sp>
@@ -8780,6 +8964,35 @@
           </a:p>
         </p:txBody>
       </p:sp>
+      <p:sp>
+        <p:nvSpPr>
+          <p:cNvPr id="4" name="Slide Number Placeholder 3">
+            <a:extLst>
+              <a:ext uri="{FF2B5EF4-FFF2-40B4-BE49-F238E27FC236}">
+                <a16:creationId xmlns:a16="http://schemas.microsoft.com/office/drawing/2014/main" id="{2FF53BE3-8922-43DD-A717-1896AA3F805A}"/>
+              </a:ext>
+            </a:extLst>
+          </p:cNvPr>
+          <p:cNvSpPr>
+            <a:spLocks noGrp="1"/>
+          </p:cNvSpPr>
+          <p:nvPr>
+            <p:ph type="sldNum" sz="quarter" idx="11"/>
+          </p:nvPr>
+        </p:nvSpPr>
+        <p:spPr/>
+        <p:txBody>
+          <a:bodyPr/>
+          <a:lstStyle/>
+          <a:p>
+            <a:fld id="{B0C48C2A-9B35-4C98-8F62-FAE3B77D637B}" type="slidenum">
+              <a:rPr lang="de-DE" smtClean="0"/>
+              <a:t>15</a:t>
+            </a:fld>
+            <a:endParaRPr lang="de-DE"/>
+          </a:p>
+        </p:txBody>
+      </p:sp>
     </p:spTree>
     <p:extLst>
       <p:ext uri="{BB962C8B-B14F-4D97-AF65-F5344CB8AC3E}">
@@ -9196,6 +9409,35 @@
             <a:endParaRPr lang="en-US">
               <a:cs typeface="Arial"/>
             </a:endParaRPr>
+          </a:p>
+        </p:txBody>
+      </p:sp>
+      <p:sp>
+        <p:nvSpPr>
+          <p:cNvPr id="4" name="Slide Number Placeholder 3">
+            <a:extLst>
+              <a:ext uri="{FF2B5EF4-FFF2-40B4-BE49-F238E27FC236}">
+                <a16:creationId xmlns:a16="http://schemas.microsoft.com/office/drawing/2014/main" id="{60364D4A-A19D-425E-8AB8-DB96B2F4CA55}"/>
+              </a:ext>
+            </a:extLst>
+          </p:cNvPr>
+          <p:cNvSpPr>
+            <a:spLocks noGrp="1"/>
+          </p:cNvSpPr>
+          <p:nvPr>
+            <p:ph type="sldNum" sz="quarter" idx="11"/>
+          </p:nvPr>
+        </p:nvSpPr>
+        <p:spPr/>
+        <p:txBody>
+          <a:bodyPr/>
+          <a:lstStyle/>
+          <a:p>
+            <a:fld id="{B0C48C2A-9B35-4C98-8F62-FAE3B77D637B}" type="slidenum">
+              <a:rPr lang="de-DE" smtClean="0"/>
+              <a:t>16</a:t>
+            </a:fld>
+            <a:endParaRPr lang="de-DE"/>
           </a:p>
         </p:txBody>
       </p:sp>
@@ -9260,6 +9502,35 @@
           </a:p>
         </p:txBody>
       </p:sp>
+      <p:sp>
+        <p:nvSpPr>
+          <p:cNvPr id="3" name="Slide Number Placeholder 2">
+            <a:extLst>
+              <a:ext uri="{FF2B5EF4-FFF2-40B4-BE49-F238E27FC236}">
+                <a16:creationId xmlns:a16="http://schemas.microsoft.com/office/drawing/2014/main" id="{97A459BF-31F9-4927-B839-E90415F6AA76}"/>
+              </a:ext>
+            </a:extLst>
+          </p:cNvPr>
+          <p:cNvSpPr>
+            <a:spLocks noGrp="1"/>
+          </p:cNvSpPr>
+          <p:nvPr>
+            <p:ph type="sldNum" sz="quarter" idx="11"/>
+          </p:nvPr>
+        </p:nvSpPr>
+        <p:spPr/>
+        <p:txBody>
+          <a:bodyPr/>
+          <a:lstStyle/>
+          <a:p>
+            <a:fld id="{B0C48C2A-9B35-4C98-8F62-FAE3B77D637B}" type="slidenum">
+              <a:rPr lang="de-DE" smtClean="0"/>
+              <a:t>17</a:t>
+            </a:fld>
+            <a:endParaRPr lang="de-DE"/>
+          </a:p>
+        </p:txBody>
+      </p:sp>
     </p:spTree>
     <p:extLst>
       <p:ext uri="{BB962C8B-B14F-4D97-AF65-F5344CB8AC3E}">
@@ -9490,6 +9761,35 @@
               </a:solidFill>
               <a:cs typeface="Arial"/>
             </a:endParaRPr>
+          </a:p>
+        </p:txBody>
+      </p:sp>
+      <p:sp>
+        <p:nvSpPr>
+          <p:cNvPr id="4" name="Slide Number Placeholder 3">
+            <a:extLst>
+              <a:ext uri="{FF2B5EF4-FFF2-40B4-BE49-F238E27FC236}">
+                <a16:creationId xmlns:a16="http://schemas.microsoft.com/office/drawing/2014/main" id="{121E429C-4E68-4AE8-BA7D-52DE292DFED2}"/>
+              </a:ext>
+            </a:extLst>
+          </p:cNvPr>
+          <p:cNvSpPr>
+            <a:spLocks noGrp="1"/>
+          </p:cNvSpPr>
+          <p:nvPr>
+            <p:ph type="sldNum" sz="quarter" idx="11"/>
+          </p:nvPr>
+        </p:nvSpPr>
+        <p:spPr/>
+        <p:txBody>
+          <a:bodyPr/>
+          <a:lstStyle/>
+          <a:p>
+            <a:fld id="{B0C48C2A-9B35-4C98-8F62-FAE3B77D637B}" type="slidenum">
+              <a:rPr lang="de-DE" smtClean="0"/>
+              <a:t>18</a:t>
+            </a:fld>
+            <a:endParaRPr lang="de-DE"/>
           </a:p>
         </p:txBody>
       </p:sp>
@@ -10258,6 +10558,35 @@
           </a:p>
         </p:txBody>
       </p:sp>
+      <p:sp>
+        <p:nvSpPr>
+          <p:cNvPr id="3" name="Slide Number Placeholder 2">
+            <a:extLst>
+              <a:ext uri="{FF2B5EF4-FFF2-40B4-BE49-F238E27FC236}">
+                <a16:creationId xmlns:a16="http://schemas.microsoft.com/office/drawing/2014/main" id="{74EBF47E-CD08-4EC8-8F8E-CE57168471B7}"/>
+              </a:ext>
+            </a:extLst>
+          </p:cNvPr>
+          <p:cNvSpPr>
+            <a:spLocks noGrp="1"/>
+          </p:cNvSpPr>
+          <p:nvPr>
+            <p:ph type="sldNum" sz="quarter" idx="11"/>
+          </p:nvPr>
+        </p:nvSpPr>
+        <p:spPr/>
+        <p:txBody>
+          <a:bodyPr/>
+          <a:lstStyle/>
+          <a:p>
+            <a:fld id="{B0C48C2A-9B35-4C98-8F62-FAE3B77D637B}" type="slidenum">
+              <a:rPr lang="de-DE" smtClean="0"/>
+              <a:t>19</a:t>
+            </a:fld>
+            <a:endParaRPr lang="de-DE"/>
+          </a:p>
+        </p:txBody>
+      </p:sp>
     </p:spTree>
     <p:extLst>
       <p:ext uri="{BB962C8B-B14F-4D97-AF65-F5344CB8AC3E}">
@@ -10449,6 +10778,35 @@
             <a:endParaRPr lang="en-GB">
               <a:cs typeface="Arial"/>
             </a:endParaRPr>
+          </a:p>
+        </p:txBody>
+      </p:sp>
+      <p:sp>
+        <p:nvSpPr>
+          <p:cNvPr id="4" name="Slide Number Placeholder 3">
+            <a:extLst>
+              <a:ext uri="{FF2B5EF4-FFF2-40B4-BE49-F238E27FC236}">
+                <a16:creationId xmlns:a16="http://schemas.microsoft.com/office/drawing/2014/main" id="{3A9C4AED-FD4C-4128-966F-A4B2FA5B70BB}"/>
+              </a:ext>
+            </a:extLst>
+          </p:cNvPr>
+          <p:cNvSpPr>
+            <a:spLocks noGrp="1"/>
+          </p:cNvSpPr>
+          <p:nvPr>
+            <p:ph type="sldNum" sz="quarter" idx="11"/>
+          </p:nvPr>
+        </p:nvSpPr>
+        <p:spPr/>
+        <p:txBody>
+          <a:bodyPr/>
+          <a:lstStyle/>
+          <a:p>
+            <a:fld id="{B0C48C2A-9B35-4C98-8F62-FAE3B77D637B}" type="slidenum">
+              <a:rPr lang="de-DE" smtClean="0"/>
+              <a:t>2</a:t>
+            </a:fld>
+            <a:endParaRPr lang="de-DE"/>
           </a:p>
         </p:txBody>
       </p:sp>
@@ -10709,6 +11067,35 @@
           </a:p>
         </p:txBody>
       </p:sp>
+      <p:sp>
+        <p:nvSpPr>
+          <p:cNvPr id="3" name="Slide Number Placeholder 2">
+            <a:extLst>
+              <a:ext uri="{FF2B5EF4-FFF2-40B4-BE49-F238E27FC236}">
+                <a16:creationId xmlns:a16="http://schemas.microsoft.com/office/drawing/2014/main" id="{E3932670-3820-46CF-B7F7-350A0A138031}"/>
+              </a:ext>
+            </a:extLst>
+          </p:cNvPr>
+          <p:cNvSpPr>
+            <a:spLocks noGrp="1"/>
+          </p:cNvSpPr>
+          <p:nvPr>
+            <p:ph type="sldNum" sz="quarter" idx="11"/>
+          </p:nvPr>
+        </p:nvSpPr>
+        <p:spPr/>
+        <p:txBody>
+          <a:bodyPr/>
+          <a:lstStyle/>
+          <a:p>
+            <a:fld id="{B0C48C2A-9B35-4C98-8F62-FAE3B77D637B}" type="slidenum">
+              <a:rPr lang="de-DE" smtClean="0"/>
+              <a:t>20</a:t>
+            </a:fld>
+            <a:endParaRPr lang="de-DE"/>
+          </a:p>
+        </p:txBody>
+      </p:sp>
     </p:spTree>
     <p:extLst>
       <p:ext uri="{BB962C8B-B14F-4D97-AF65-F5344CB8AC3E}">
@@ -10770,12 +11157,41 @@
           </a:p>
         </p:txBody>
       </p:sp>
+      <p:sp>
+        <p:nvSpPr>
+          <p:cNvPr id="3" name="Slide Number Placeholder 2">
+            <a:extLst>
+              <a:ext uri="{FF2B5EF4-FFF2-40B4-BE49-F238E27FC236}">
+                <a16:creationId xmlns:a16="http://schemas.microsoft.com/office/drawing/2014/main" id="{66D6743B-F7C0-413A-9464-7344C69E9A0C}"/>
+              </a:ext>
+            </a:extLst>
+          </p:cNvPr>
+          <p:cNvSpPr>
+            <a:spLocks noGrp="1"/>
+          </p:cNvSpPr>
+          <p:nvPr>
+            <p:ph type="sldNum" sz="quarter" idx="11"/>
+          </p:nvPr>
+        </p:nvSpPr>
+        <p:spPr/>
+        <p:txBody>
+          <a:bodyPr/>
+          <a:lstStyle/>
+          <a:p>
+            <a:fld id="{B0C48C2A-9B35-4C98-8F62-FAE3B77D637B}" type="slidenum">
+              <a:rPr lang="de-DE" smtClean="0"/>
+              <a:t>21</a:t>
+            </a:fld>
+            <a:endParaRPr lang="de-DE"/>
+          </a:p>
+        </p:txBody>
+      </p:sp>
       <p:pic>
         <p:nvPicPr>
-          <p:cNvPr id="7" name="Grafik 7">
+          <p:cNvPr id="5" name="Picture 4" descr="Diagram&#10;&#10;Description automatically generated">
             <a:extLst>
               <a:ext uri="{FF2B5EF4-FFF2-40B4-BE49-F238E27FC236}">
-                <a16:creationId xmlns:a16="http://schemas.microsoft.com/office/drawing/2014/main" id="{8FA6CBCF-4882-4594-AD74-F718B7F6985B}"/>
+                <a16:creationId xmlns:a16="http://schemas.microsoft.com/office/drawing/2014/main" id="{C1BEB44B-9509-48DE-9B44-BA79B2842CAC}"/>
               </a:ext>
             </a:extLst>
           </p:cNvPr>
@@ -10785,15 +11201,21 @@
           <p:nvPr/>
         </p:nvPicPr>
         <p:blipFill>
-          <a:blip r:embed="rId2"/>
+          <a:blip r:embed="rId2">
+            <a:extLst>
+              <a:ext uri="{28A0092B-C50C-407E-A947-70E740481C1C}">
+                <a14:useLocalDpi xmlns:a14="http://schemas.microsoft.com/office/drawing/2010/main" val="0"/>
+              </a:ext>
+            </a:extLst>
+          </a:blip>
           <a:stretch>
             <a:fillRect/>
           </a:stretch>
         </p:blipFill>
         <p:spPr>
           <a:xfrm>
-            <a:off x="810883" y="2410742"/>
-            <a:ext cx="7599870" cy="3597897"/>
+            <a:off x="703385" y="2454780"/>
+            <a:ext cx="7109927" cy="3674053"/>
           </a:xfrm>
           <a:prstGeom prst="rect">
             <a:avLst/>
@@ -10885,6 +11307,35 @@
           </a:p>
         </p:txBody>
       </p:sp>
+      <p:sp>
+        <p:nvSpPr>
+          <p:cNvPr id="4" name="Slide Number Placeholder 3">
+            <a:extLst>
+              <a:ext uri="{FF2B5EF4-FFF2-40B4-BE49-F238E27FC236}">
+                <a16:creationId xmlns:a16="http://schemas.microsoft.com/office/drawing/2014/main" id="{8D3DC1AA-0E45-458A-A760-7A101C8BF76A}"/>
+              </a:ext>
+            </a:extLst>
+          </p:cNvPr>
+          <p:cNvSpPr>
+            <a:spLocks noGrp="1"/>
+          </p:cNvSpPr>
+          <p:nvPr>
+            <p:ph type="sldNum" sz="quarter" idx="11"/>
+          </p:nvPr>
+        </p:nvSpPr>
+        <p:spPr/>
+        <p:txBody>
+          <a:bodyPr/>
+          <a:lstStyle/>
+          <a:p>
+            <a:fld id="{B0C48C2A-9B35-4C98-8F62-FAE3B77D637B}" type="slidenum">
+              <a:rPr lang="de-DE" smtClean="0"/>
+              <a:t>22</a:t>
+            </a:fld>
+            <a:endParaRPr lang="de-DE"/>
+          </a:p>
+        </p:txBody>
+      </p:sp>
     </p:spTree>
     <p:extLst>
       <p:ext uri="{BB962C8B-B14F-4D97-AF65-F5344CB8AC3E}">
@@ -10980,6 +11431,35 @@
           </a:xfrm>
         </p:spPr>
       </p:pic>
+      <p:sp>
+        <p:nvSpPr>
+          <p:cNvPr id="3" name="Slide Number Placeholder 2">
+            <a:extLst>
+              <a:ext uri="{FF2B5EF4-FFF2-40B4-BE49-F238E27FC236}">
+                <a16:creationId xmlns:a16="http://schemas.microsoft.com/office/drawing/2014/main" id="{A3021EFA-C558-4169-8648-236D35844005}"/>
+              </a:ext>
+            </a:extLst>
+          </p:cNvPr>
+          <p:cNvSpPr>
+            <a:spLocks noGrp="1"/>
+          </p:cNvSpPr>
+          <p:nvPr>
+            <p:ph type="sldNum" sz="quarter" idx="11"/>
+          </p:nvPr>
+        </p:nvSpPr>
+        <p:spPr/>
+        <p:txBody>
+          <a:bodyPr/>
+          <a:lstStyle/>
+          <a:p>
+            <a:fld id="{B0C48C2A-9B35-4C98-8F62-FAE3B77D637B}" type="slidenum">
+              <a:rPr lang="de-DE" smtClean="0"/>
+              <a:t>23</a:t>
+            </a:fld>
+            <a:endParaRPr lang="de-DE"/>
+          </a:p>
+        </p:txBody>
+      </p:sp>
     </p:spTree>
     <p:extLst>
       <p:ext uri="{BB962C8B-B14F-4D97-AF65-F5344CB8AC3E}">
@@ -11119,6 +11599,35 @@
           </a:prstGeom>
         </p:spPr>
       </p:pic>
+      <p:sp>
+        <p:nvSpPr>
+          <p:cNvPr id="4" name="Slide Number Placeholder 3">
+            <a:extLst>
+              <a:ext uri="{FF2B5EF4-FFF2-40B4-BE49-F238E27FC236}">
+                <a16:creationId xmlns:a16="http://schemas.microsoft.com/office/drawing/2014/main" id="{E9B978ED-E3B4-48D2-8401-CE4F410292B4}"/>
+              </a:ext>
+            </a:extLst>
+          </p:cNvPr>
+          <p:cNvSpPr>
+            <a:spLocks noGrp="1"/>
+          </p:cNvSpPr>
+          <p:nvPr>
+            <p:ph type="sldNum" sz="quarter" idx="11"/>
+          </p:nvPr>
+        </p:nvSpPr>
+        <p:spPr/>
+        <p:txBody>
+          <a:bodyPr/>
+          <a:lstStyle/>
+          <a:p>
+            <a:fld id="{B0C48C2A-9B35-4C98-8F62-FAE3B77D637B}" type="slidenum">
+              <a:rPr lang="de-DE" smtClean="0"/>
+              <a:t>24</a:t>
+            </a:fld>
+            <a:endParaRPr lang="de-DE"/>
+          </a:p>
+        </p:txBody>
+      </p:sp>
     </p:spTree>
     <p:extLst>
       <p:ext uri="{BB962C8B-B14F-4D97-AF65-F5344CB8AC3E}">
@@ -11244,10 +11753,173 @@
           </a:prstGeom>
         </p:spPr>
       </p:pic>
+      <p:sp>
+        <p:nvSpPr>
+          <p:cNvPr id="3" name="Slide Number Placeholder 2">
+            <a:extLst>
+              <a:ext uri="{FF2B5EF4-FFF2-40B4-BE49-F238E27FC236}">
+                <a16:creationId xmlns:a16="http://schemas.microsoft.com/office/drawing/2014/main" id="{D98A35E3-EA53-49D7-9301-BD023FEA3A39}"/>
+              </a:ext>
+            </a:extLst>
+          </p:cNvPr>
+          <p:cNvSpPr>
+            <a:spLocks noGrp="1"/>
+          </p:cNvSpPr>
+          <p:nvPr>
+            <p:ph type="sldNum" sz="quarter" idx="11"/>
+          </p:nvPr>
+        </p:nvSpPr>
+        <p:spPr/>
+        <p:txBody>
+          <a:bodyPr/>
+          <a:lstStyle/>
+          <a:p>
+            <a:fld id="{B0C48C2A-9B35-4C98-8F62-FAE3B77D637B}" type="slidenum">
+              <a:rPr lang="de-DE" smtClean="0"/>
+              <a:t>25</a:t>
+            </a:fld>
+            <a:endParaRPr lang="de-DE"/>
+          </a:p>
+        </p:txBody>
+      </p:sp>
     </p:spTree>
     <p:extLst>
       <p:ext uri="{BB962C8B-B14F-4D97-AF65-F5344CB8AC3E}">
         <p14:creationId xmlns:p14="http://schemas.microsoft.com/office/powerpoint/2010/main" val="1483544498"/>
+      </p:ext>
+    </p:extLst>
+  </p:cSld>
+  <p:clrMapOvr>
+    <a:masterClrMapping/>
+  </p:clrMapOvr>
+</p:sld>
+</file>
+
+<file path=ppt/slides/slide26.xml><?xml version="1.0" encoding="utf-8"?>
+<p:sld xmlns:a="http://schemas.openxmlformats.org/drawingml/2006/main" xmlns:r="http://schemas.openxmlformats.org/officeDocument/2006/relationships" xmlns:p="http://schemas.openxmlformats.org/presentationml/2006/main">
+  <p:cSld>
+    <p:spTree>
+      <p:nvGrpSpPr>
+        <p:cNvPr id="1" name=""/>
+        <p:cNvGrpSpPr/>
+        <p:nvPr/>
+      </p:nvGrpSpPr>
+      <p:grpSpPr>
+        <a:xfrm>
+          <a:off x="0" y="0"/>
+          <a:ext cx="0" cy="0"/>
+          <a:chOff x="0" y="0"/>
+          <a:chExt cx="0" cy="0"/>
+        </a:xfrm>
+      </p:grpSpPr>
+      <p:sp>
+        <p:nvSpPr>
+          <p:cNvPr id="2" name="Title 1">
+            <a:extLst>
+              <a:ext uri="{FF2B5EF4-FFF2-40B4-BE49-F238E27FC236}">
+                <a16:creationId xmlns:a16="http://schemas.microsoft.com/office/drawing/2014/main" id="{E948EAF1-23DF-4672-85A6-5D54AC4425E1}"/>
+              </a:ext>
+            </a:extLst>
+          </p:cNvPr>
+          <p:cNvSpPr>
+            <a:spLocks noGrp="1"/>
+          </p:cNvSpPr>
+          <p:nvPr>
+            <p:ph type="title"/>
+          </p:nvPr>
+        </p:nvSpPr>
+        <p:spPr>
+          <a:xfrm>
+            <a:off x="722435" y="3484220"/>
+            <a:ext cx="7772400" cy="1362075"/>
+          </a:xfrm>
+        </p:spPr>
+        <p:txBody>
+          <a:bodyPr/>
+          <a:lstStyle/>
+          <a:p>
+            <a:r>
+              <a:rPr lang="en-US" dirty="0" err="1">
+                <a:cs typeface="Arial"/>
+              </a:rPr>
+              <a:t>Prototyp</a:t>
+            </a:r>
+            <a:endParaRPr lang="en-US" dirty="0">
+              <a:cs typeface="Arial"/>
+            </a:endParaRPr>
+          </a:p>
+        </p:txBody>
+      </p:sp>
+      <p:sp>
+        <p:nvSpPr>
+          <p:cNvPr id="3" name="Content Placeholder 2">
+            <a:extLst>
+              <a:ext uri="{FF2B5EF4-FFF2-40B4-BE49-F238E27FC236}">
+                <a16:creationId xmlns:a16="http://schemas.microsoft.com/office/drawing/2014/main" id="{26814436-C233-4257-BABC-64DE872A49CB}"/>
+              </a:ext>
+            </a:extLst>
+          </p:cNvPr>
+          <p:cNvSpPr>
+            <a:spLocks noGrp="1"/>
+          </p:cNvSpPr>
+          <p:nvPr>
+            <p:ph type="body" idx="1"/>
+          </p:nvPr>
+        </p:nvSpPr>
+        <p:spPr>
+          <a:xfrm>
+            <a:off x="722435" y="4154750"/>
+            <a:ext cx="7772400" cy="565346"/>
+          </a:xfrm>
+        </p:spPr>
+        <p:txBody>
+          <a:bodyPr/>
+          <a:lstStyle/>
+          <a:p>
+            <a:r>
+              <a:rPr lang="en-US" dirty="0" err="1"/>
+              <a:t>Siehe</a:t>
+            </a:r>
+            <a:r>
+              <a:rPr lang="en-US" dirty="0"/>
+              <a:t> GitHub</a:t>
+            </a:r>
+          </a:p>
+        </p:txBody>
+      </p:sp>
+      <p:sp>
+        <p:nvSpPr>
+          <p:cNvPr id="4" name="Slide Number Placeholder 3">
+            <a:extLst>
+              <a:ext uri="{FF2B5EF4-FFF2-40B4-BE49-F238E27FC236}">
+                <a16:creationId xmlns:a16="http://schemas.microsoft.com/office/drawing/2014/main" id="{8D3DC1AA-0E45-458A-A760-7A101C8BF76A}"/>
+              </a:ext>
+            </a:extLst>
+          </p:cNvPr>
+          <p:cNvSpPr>
+            <a:spLocks noGrp="1"/>
+          </p:cNvSpPr>
+          <p:nvPr>
+            <p:ph type="sldNum" sz="quarter" idx="11"/>
+          </p:nvPr>
+        </p:nvSpPr>
+        <p:spPr/>
+        <p:txBody>
+          <a:bodyPr/>
+          <a:lstStyle/>
+          <a:p>
+            <a:fld id="{B0C48C2A-9B35-4C98-8F62-FAE3B77D637B}" type="slidenum">
+              <a:rPr lang="de-DE" smtClean="0"/>
+              <a:t>26</a:t>
+            </a:fld>
+            <a:endParaRPr lang="de-DE"/>
+          </a:p>
+        </p:txBody>
+      </p:sp>
+    </p:spTree>
+    <p:extLst>
+      <p:ext uri="{BB962C8B-B14F-4D97-AF65-F5344CB8AC3E}">
+        <p14:creationId xmlns:p14="http://schemas.microsoft.com/office/powerpoint/2010/main" val="865695529"/>
       </p:ext>
     </p:extLst>
   </p:cSld>
@@ -11414,6 +12086,35 @@
             <a:endParaRPr lang="en-US">
               <a:cs typeface="Arial"/>
             </a:endParaRPr>
+          </a:p>
+        </p:txBody>
+      </p:sp>
+      <p:sp>
+        <p:nvSpPr>
+          <p:cNvPr id="4" name="Slide Number Placeholder 3">
+            <a:extLst>
+              <a:ext uri="{FF2B5EF4-FFF2-40B4-BE49-F238E27FC236}">
+                <a16:creationId xmlns:a16="http://schemas.microsoft.com/office/drawing/2014/main" id="{14BDA0EE-2D14-43A8-97D5-CC9CE5D547E2}"/>
+              </a:ext>
+            </a:extLst>
+          </p:cNvPr>
+          <p:cNvSpPr>
+            <a:spLocks noGrp="1"/>
+          </p:cNvSpPr>
+          <p:nvPr>
+            <p:ph type="sldNum" sz="quarter" idx="11"/>
+          </p:nvPr>
+        </p:nvSpPr>
+        <p:spPr/>
+        <p:txBody>
+          <a:bodyPr/>
+          <a:lstStyle/>
+          <a:p>
+            <a:fld id="{B0C48C2A-9B35-4C98-8F62-FAE3B77D637B}" type="slidenum">
+              <a:rPr lang="de-DE" smtClean="0"/>
+              <a:t>3</a:t>
+            </a:fld>
+            <a:endParaRPr lang="de-DE"/>
           </a:p>
         </p:txBody>
       </p:sp>
@@ -11589,6 +12290,35 @@
           </a:p>
         </p:txBody>
       </p:sp>
+      <p:sp>
+        <p:nvSpPr>
+          <p:cNvPr id="4" name="Slide Number Placeholder 3">
+            <a:extLst>
+              <a:ext uri="{FF2B5EF4-FFF2-40B4-BE49-F238E27FC236}">
+                <a16:creationId xmlns:a16="http://schemas.microsoft.com/office/drawing/2014/main" id="{73532A83-B5BA-4F16-8306-D7997F1392CA}"/>
+              </a:ext>
+            </a:extLst>
+          </p:cNvPr>
+          <p:cNvSpPr>
+            <a:spLocks noGrp="1"/>
+          </p:cNvSpPr>
+          <p:nvPr>
+            <p:ph type="sldNum" sz="quarter" idx="11"/>
+          </p:nvPr>
+        </p:nvSpPr>
+        <p:spPr/>
+        <p:txBody>
+          <a:bodyPr/>
+          <a:lstStyle/>
+          <a:p>
+            <a:fld id="{B0C48C2A-9B35-4C98-8F62-FAE3B77D637B}" type="slidenum">
+              <a:rPr lang="de-DE" smtClean="0"/>
+              <a:t>4</a:t>
+            </a:fld>
+            <a:endParaRPr lang="de-DE"/>
+          </a:p>
+        </p:txBody>
+      </p:sp>
     </p:spTree>
     <p:extLst>
       <p:ext uri="{BB962C8B-B14F-4D97-AF65-F5344CB8AC3E}">
@@ -11814,6 +12544,35 @@
               </a:solidFill>
               <a:cs typeface="Arial"/>
             </a:endParaRPr>
+          </a:p>
+        </p:txBody>
+      </p:sp>
+      <p:sp>
+        <p:nvSpPr>
+          <p:cNvPr id="4" name="Slide Number Placeholder 3">
+            <a:extLst>
+              <a:ext uri="{FF2B5EF4-FFF2-40B4-BE49-F238E27FC236}">
+                <a16:creationId xmlns:a16="http://schemas.microsoft.com/office/drawing/2014/main" id="{D4695B11-C018-45BA-B242-3859F3905346}"/>
+              </a:ext>
+            </a:extLst>
+          </p:cNvPr>
+          <p:cNvSpPr>
+            <a:spLocks noGrp="1"/>
+          </p:cNvSpPr>
+          <p:nvPr>
+            <p:ph type="sldNum" sz="quarter" idx="11"/>
+          </p:nvPr>
+        </p:nvSpPr>
+        <p:spPr/>
+        <p:txBody>
+          <a:bodyPr/>
+          <a:lstStyle/>
+          <a:p>
+            <a:fld id="{B0C48C2A-9B35-4C98-8F62-FAE3B77D637B}" type="slidenum">
+              <a:rPr lang="de-DE" smtClean="0"/>
+              <a:t>5</a:t>
+            </a:fld>
+            <a:endParaRPr lang="de-DE"/>
           </a:p>
         </p:txBody>
       </p:sp>
@@ -11897,6 +12656,35 @@
           <a:bodyPr/>
           <a:lstStyle/>
           <a:p>
+            <a:endParaRPr lang="de-DE"/>
+          </a:p>
+        </p:txBody>
+      </p:sp>
+      <p:sp>
+        <p:nvSpPr>
+          <p:cNvPr id="4" name="Slide Number Placeholder 3">
+            <a:extLst>
+              <a:ext uri="{FF2B5EF4-FFF2-40B4-BE49-F238E27FC236}">
+                <a16:creationId xmlns:a16="http://schemas.microsoft.com/office/drawing/2014/main" id="{6CEEDDD9-B788-4977-89BC-B4A9643F89EC}"/>
+              </a:ext>
+            </a:extLst>
+          </p:cNvPr>
+          <p:cNvSpPr>
+            <a:spLocks noGrp="1"/>
+          </p:cNvSpPr>
+          <p:nvPr>
+            <p:ph type="sldNum" sz="quarter" idx="11"/>
+          </p:nvPr>
+        </p:nvSpPr>
+        <p:spPr/>
+        <p:txBody>
+          <a:bodyPr/>
+          <a:lstStyle/>
+          <a:p>
+            <a:fld id="{B0C48C2A-9B35-4C98-8F62-FAE3B77D637B}" type="slidenum">
+              <a:rPr lang="de-DE" smtClean="0"/>
+              <a:t>6</a:t>
+            </a:fld>
             <a:endParaRPr lang="de-DE"/>
           </a:p>
         </p:txBody>
@@ -12289,6 +13077,35 @@
           </a:xfrm>
         </p:spPr>
       </p:pic>
+      <p:sp>
+        <p:nvSpPr>
+          <p:cNvPr id="3" name="Slide Number Placeholder 2">
+            <a:extLst>
+              <a:ext uri="{FF2B5EF4-FFF2-40B4-BE49-F238E27FC236}">
+                <a16:creationId xmlns:a16="http://schemas.microsoft.com/office/drawing/2014/main" id="{AA89166D-67B1-4B27-9094-4CC9476B74DA}"/>
+              </a:ext>
+            </a:extLst>
+          </p:cNvPr>
+          <p:cNvSpPr>
+            <a:spLocks noGrp="1"/>
+          </p:cNvSpPr>
+          <p:nvPr>
+            <p:ph type="sldNum" sz="quarter" idx="11"/>
+          </p:nvPr>
+        </p:nvSpPr>
+        <p:spPr/>
+        <p:txBody>
+          <a:bodyPr/>
+          <a:lstStyle/>
+          <a:p>
+            <a:fld id="{B0C48C2A-9B35-4C98-8F62-FAE3B77D637B}" type="slidenum">
+              <a:rPr lang="de-DE" smtClean="0"/>
+              <a:t>7</a:t>
+            </a:fld>
+            <a:endParaRPr lang="de-DE"/>
+          </a:p>
+        </p:txBody>
+      </p:sp>
     </p:spTree>
     <p:extLst>
       <p:ext uri="{BB962C8B-B14F-4D97-AF65-F5344CB8AC3E}">
@@ -12674,6 +13491,35 @@
           </a:xfrm>
         </p:spPr>
       </p:pic>
+      <p:sp>
+        <p:nvSpPr>
+          <p:cNvPr id="3" name="Slide Number Placeholder 2">
+            <a:extLst>
+              <a:ext uri="{FF2B5EF4-FFF2-40B4-BE49-F238E27FC236}">
+                <a16:creationId xmlns:a16="http://schemas.microsoft.com/office/drawing/2014/main" id="{CB016E18-0723-44A2-BCB0-D877871CC2F5}"/>
+              </a:ext>
+            </a:extLst>
+          </p:cNvPr>
+          <p:cNvSpPr>
+            <a:spLocks noGrp="1"/>
+          </p:cNvSpPr>
+          <p:nvPr>
+            <p:ph type="sldNum" sz="quarter" idx="11"/>
+          </p:nvPr>
+        </p:nvSpPr>
+        <p:spPr/>
+        <p:txBody>
+          <a:bodyPr/>
+          <a:lstStyle/>
+          <a:p>
+            <a:fld id="{B0C48C2A-9B35-4C98-8F62-FAE3B77D637B}" type="slidenum">
+              <a:rPr lang="de-DE" smtClean="0"/>
+              <a:t>8</a:t>
+            </a:fld>
+            <a:endParaRPr lang="de-DE"/>
+          </a:p>
+        </p:txBody>
+      </p:sp>
     </p:spTree>
     <p:extLst>
       <p:ext uri="{BB962C8B-B14F-4D97-AF65-F5344CB8AC3E}">
@@ -13057,6 +13903,35 @@
           </a:graphicData>
         </a:graphic>
       </p:graphicFrame>
+      <p:sp>
+        <p:nvSpPr>
+          <p:cNvPr id="3" name="Slide Number Placeholder 2">
+            <a:extLst>
+              <a:ext uri="{FF2B5EF4-FFF2-40B4-BE49-F238E27FC236}">
+                <a16:creationId xmlns:a16="http://schemas.microsoft.com/office/drawing/2014/main" id="{1D307FA6-F274-48FB-B0E9-911C50C788A4}"/>
+              </a:ext>
+            </a:extLst>
+          </p:cNvPr>
+          <p:cNvSpPr>
+            <a:spLocks noGrp="1"/>
+          </p:cNvSpPr>
+          <p:nvPr>
+            <p:ph type="sldNum" sz="quarter" idx="11"/>
+          </p:nvPr>
+        </p:nvSpPr>
+        <p:spPr/>
+        <p:txBody>
+          <a:bodyPr/>
+          <a:lstStyle/>
+          <a:p>
+            <a:fld id="{B0C48C2A-9B35-4C98-8F62-FAE3B77D637B}" type="slidenum">
+              <a:rPr lang="de-DE" smtClean="0"/>
+              <a:t>9</a:t>
+            </a:fld>
+            <a:endParaRPr lang="de-DE"/>
+          </a:p>
+        </p:txBody>
+      </p:sp>
     </p:spTree>
     <p:extLst>
       <p:ext uri="{BB962C8B-B14F-4D97-AF65-F5344CB8AC3E}">
